--- a/Doc/HealthCare.pptx
+++ b/Doc/HealthCare.pptx
@@ -6293,7 +6293,7 @@
           <a:p>
             <a:fld id="{8CD26A2A-0A96-0647-84E5-C82F2EFD9474}" type="datetimeFigureOut">
               <a:rPr lang="en-US" smtClean="0"/>
-              <a:t>8/29/2023</a:t>
+              <a:t>9/14/2023</a:t>
             </a:fld>
             <a:endParaRPr lang="en-US" dirty="0"/>
           </a:p>
@@ -6470,7 +6470,7 @@
           <a:p>
             <a:fld id="{A2B40C3B-E28A-4854-8EDA-E7F8F6F6FFEF}" type="datetimeFigureOut">
               <a:rPr lang="zh-CN" altLang="en-US" smtClean="0"/>
-              <a:t>2023/8/29</a:t>
+              <a:t>2023/9/14</a:t>
             </a:fld>
             <a:endParaRPr lang="zh-CN" altLang="en-US"/>
           </a:p>
@@ -34342,7 +34342,7 @@
         <p:spPr>
           <a:xfrm>
             <a:off x="6070600" y="1031815"/>
-            <a:ext cx="4511040" cy="3508653"/>
+            <a:ext cx="4511040" cy="3231654"/>
           </a:xfrm>
           <a:prstGeom prst="rect">
             <a:avLst/>
@@ -34465,23 +34465,7 @@
                 <a:ea typeface="微软雅黑"/>
                 <a:cs typeface="Posterama" panose="020B0504020200020000" pitchFamily="34" charset="0"/>
               </a:rPr>
-              <a:t>4.2 Roadmap / Schedule</a:t>
-            </a:r>
-          </a:p>
-          <a:p>
-            <a:pPr lvl="1"/>
-            <a:r>
-              <a:rPr lang="en-IN" dirty="0">
-                <a:solidFill>
-                  <a:schemeClr val="tx1">
-                    <a:lumMod val="65000"/>
-                    <a:lumOff val="35000"/>
-                  </a:schemeClr>
-                </a:solidFill>
-                <a:ea typeface="微软雅黑"/>
-                <a:cs typeface="Posterama" panose="020B0504020200020000" pitchFamily="34" charset="0"/>
-              </a:rPr>
-              <a:t>4.3 </a:t>
+              <a:t>4.2 </a:t>
             </a:r>
             <a:r>
               <a:rPr lang="en-IN" dirty="0">
@@ -34527,7 +34511,7 @@
                 <a:ea typeface="微软雅黑"/>
                 <a:cs typeface="Posterama" panose="020B0504020200020000" pitchFamily="34" charset="0"/>
               </a:rPr>
-              <a:t>4.5 </a:t>
+              <a:t>4.3 </a:t>
             </a:r>
             <a:r>
               <a:rPr lang="en-IN" dirty="0">
@@ -34573,7 +34557,7 @@
                 <a:ea typeface="微软雅黑"/>
                 <a:cs typeface="Posterama" panose="020B0504020200020000" pitchFamily="34" charset="0"/>
               </a:rPr>
-              <a:t>4.6 Sprint Backlog 	</a:t>
+              <a:t>4.4 Sprint Backlog 	</a:t>
             </a:r>
           </a:p>
           <a:p>
@@ -34589,7 +34573,7 @@
                 <a:ea typeface="微软雅黑"/>
                 <a:cs typeface="Posterama" panose="020B0504020200020000" pitchFamily="34" charset="0"/>
               </a:rPr>
-              <a:t>4.7 Test Plan </a:t>
+              <a:t>4.5 Test Plan </a:t>
             </a:r>
           </a:p>
           <a:p>
@@ -34605,7 +34589,7 @@
                 <a:ea typeface="微软雅黑"/>
                 <a:cs typeface="Posterama" panose="020B0504020200020000" pitchFamily="34" charset="0"/>
               </a:rPr>
-              <a:t>4.8 Burn Down &amp; Earned Value</a:t>
+              <a:t>4.6 Burn Down &amp; Earned Value</a:t>
             </a:r>
           </a:p>
           <a:p>
@@ -44894,14 +44878,14 @@
           <p:nvPr>
             <p:extLst>
               <p:ext uri="{D42A27DB-BD31-4B8C-83A1-F6EECF244321}">
-                <p14:modId xmlns:p14="http://schemas.microsoft.com/office/powerpoint/2010/main" val="2074867128"/>
+                <p14:modId xmlns:p14="http://schemas.microsoft.com/office/powerpoint/2010/main" val="1734805829"/>
               </p:ext>
             </p:extLst>
           </p:nvPr>
         </p:nvGraphicFramePr>
         <p:xfrm>
-          <a:off x="184018" y="80445"/>
-          <a:ext cx="11823963" cy="6497637"/>
+          <a:off x="1366414" y="85408"/>
+          <a:ext cx="9459171" cy="6497637"/>
         </p:xfrm>
         <a:graphic>
           <a:graphicData uri="http://schemas.openxmlformats.org/drawingml/2006/table">
@@ -44938,13 +44922,6 @@
                     </a:ext>
                   </a:extLst>
                 </a:gridCol>
-                <a:gridCol w="2364792">
-                  <a:extLst>
-                    <a:ext uri="{9D8B030D-6E8A-4147-A177-3AD203B41FA5}">
-                      <a16:colId xmlns:a16="http://schemas.microsoft.com/office/drawing/2014/main" val="2320640991"/>
-                    </a:ext>
-                  </a:extLst>
-                </a:gridCol>
               </a:tblGrid>
               <a:tr h="354224">
                 <a:tc>
@@ -44998,16 +44975,6 @@
                         <a:rPr lang="en-US" dirty="0"/>
                         <a:t>So that &lt;goal&gt;</a:t>
                       </a:r>
-                      <a:endParaRPr lang="en-IN" dirty="0"/>
-                    </a:p>
-                  </a:txBody>
-                  <a:tcPr/>
-                </a:tc>
-                <a:tc>
-                  <a:txBody>
-                    <a:bodyPr/>
-                    <a:lstStyle/>
-                    <a:p>
                       <a:endParaRPr lang="en-IN" dirty="0"/>
                     </a:p>
                   </a:txBody>
@@ -45076,16 +45043,6 @@
                   </a:txBody>
                   <a:tcPr/>
                 </a:tc>
-                <a:tc>
-                  <a:txBody>
-                    <a:bodyPr/>
-                    <a:lstStyle/>
-                    <a:p>
-                      <a:endParaRPr lang="en-IN" dirty="0"/>
-                    </a:p>
-                  </a:txBody>
-                  <a:tcPr/>
-                </a:tc>
                 <a:extLst>
                   <a:ext uri="{0D108BD9-81ED-4DB2-BD59-A6C34878D82A}">
                     <a16:rowId xmlns:a16="http://schemas.microsoft.com/office/drawing/2014/main" val="3222044611"/>
@@ -45149,16 +45106,6 @@
                   </a:txBody>
                   <a:tcPr/>
                 </a:tc>
-                <a:tc>
-                  <a:txBody>
-                    <a:bodyPr/>
-                    <a:lstStyle/>
-                    <a:p>
-                      <a:endParaRPr lang="en-IN" dirty="0"/>
-                    </a:p>
-                  </a:txBody>
-                  <a:tcPr/>
-                </a:tc>
                 <a:extLst>
                   <a:ext uri="{0D108BD9-81ED-4DB2-BD59-A6C34878D82A}">
                     <a16:rowId xmlns:a16="http://schemas.microsoft.com/office/drawing/2014/main" val="2602295207"/>
@@ -45222,16 +45169,6 @@
                   </a:txBody>
                   <a:tcPr/>
                 </a:tc>
-                <a:tc>
-                  <a:txBody>
-                    <a:bodyPr/>
-                    <a:lstStyle/>
-                    <a:p>
-                      <a:endParaRPr lang="en-IN" dirty="0"/>
-                    </a:p>
-                  </a:txBody>
-                  <a:tcPr/>
-                </a:tc>
                 <a:extLst>
                   <a:ext uri="{0D108BD9-81ED-4DB2-BD59-A6C34878D82A}">
                     <a16:rowId xmlns:a16="http://schemas.microsoft.com/office/drawing/2014/main" val="414630242"/>
@@ -45295,16 +45232,6 @@
                   </a:txBody>
                   <a:tcPr/>
                 </a:tc>
-                <a:tc>
-                  <a:txBody>
-                    <a:bodyPr/>
-                    <a:lstStyle/>
-                    <a:p>
-                      <a:endParaRPr lang="en-IN" dirty="0"/>
-                    </a:p>
-                  </a:txBody>
-                  <a:tcPr/>
-                </a:tc>
                 <a:extLst>
                   <a:ext uri="{0D108BD9-81ED-4DB2-BD59-A6C34878D82A}">
                     <a16:rowId xmlns:a16="http://schemas.microsoft.com/office/drawing/2014/main" val="1225883208"/>
@@ -45368,16 +45295,6 @@
                   </a:txBody>
                   <a:tcPr/>
                 </a:tc>
-                <a:tc>
-                  <a:txBody>
-                    <a:bodyPr/>
-                    <a:lstStyle/>
-                    <a:p>
-                      <a:endParaRPr lang="en-IN" dirty="0"/>
-                    </a:p>
-                  </a:txBody>
-                  <a:tcPr/>
-                </a:tc>
                 <a:extLst>
                   <a:ext uri="{0D108BD9-81ED-4DB2-BD59-A6C34878D82A}">
                     <a16:rowId xmlns:a16="http://schemas.microsoft.com/office/drawing/2014/main" val="1401591936"/>
@@ -45441,16 +45358,6 @@
                   </a:txBody>
                   <a:tcPr/>
                 </a:tc>
-                <a:tc>
-                  <a:txBody>
-                    <a:bodyPr/>
-                    <a:lstStyle/>
-                    <a:p>
-                      <a:endParaRPr lang="en-IN" dirty="0"/>
-                    </a:p>
-                  </a:txBody>
-                  <a:tcPr/>
-                </a:tc>
                 <a:extLst>
                   <a:ext uri="{0D108BD9-81ED-4DB2-BD59-A6C34878D82A}">
                     <a16:rowId xmlns:a16="http://schemas.microsoft.com/office/drawing/2014/main" val="1992062807"/>
@@ -45514,16 +45421,6 @@
                   </a:txBody>
                   <a:tcPr/>
                 </a:tc>
-                <a:tc>
-                  <a:txBody>
-                    <a:bodyPr/>
-                    <a:lstStyle/>
-                    <a:p>
-                      <a:endParaRPr lang="en-IN" dirty="0"/>
-                    </a:p>
-                  </a:txBody>
-                  <a:tcPr/>
-                </a:tc>
                 <a:extLst>
                   <a:ext uri="{0D108BD9-81ED-4DB2-BD59-A6C34878D82A}">
                     <a16:rowId xmlns:a16="http://schemas.microsoft.com/office/drawing/2014/main" val="2035517703"/>
@@ -45587,16 +45484,6 @@
                   </a:txBody>
                   <a:tcPr/>
                 </a:tc>
-                <a:tc>
-                  <a:txBody>
-                    <a:bodyPr/>
-                    <a:lstStyle/>
-                    <a:p>
-                      <a:endParaRPr lang="en-IN" dirty="0"/>
-                    </a:p>
-                  </a:txBody>
-                  <a:tcPr/>
-                </a:tc>
                 <a:extLst>
                   <a:ext uri="{0D108BD9-81ED-4DB2-BD59-A6C34878D82A}">
                     <a16:rowId xmlns:a16="http://schemas.microsoft.com/office/drawing/2014/main" val="77917596"/>
@@ -45660,16 +45547,6 @@
                   </a:txBody>
                   <a:tcPr/>
                 </a:tc>
-                <a:tc>
-                  <a:txBody>
-                    <a:bodyPr/>
-                    <a:lstStyle/>
-                    <a:p>
-                      <a:endParaRPr lang="en-IN" dirty="0"/>
-                    </a:p>
-                  </a:txBody>
-                  <a:tcPr/>
-                </a:tc>
                 <a:extLst>
                   <a:ext uri="{0D108BD9-81ED-4DB2-BD59-A6C34878D82A}">
                     <a16:rowId xmlns:a16="http://schemas.microsoft.com/office/drawing/2014/main" val="4138428170"/>
@@ -45733,16 +45610,6 @@
                   </a:txBody>
                   <a:tcPr/>
                 </a:tc>
-                <a:tc>
-                  <a:txBody>
-                    <a:bodyPr/>
-                    <a:lstStyle/>
-                    <a:p>
-                      <a:endParaRPr lang="en-IN" dirty="0"/>
-                    </a:p>
-                  </a:txBody>
-                  <a:tcPr/>
-                </a:tc>
                 <a:extLst>
                   <a:ext uri="{0D108BD9-81ED-4DB2-BD59-A6C34878D82A}">
                     <a16:rowId xmlns:a16="http://schemas.microsoft.com/office/drawing/2014/main" val="3431423768"/>
@@ -45801,16 +45668,6 @@
                         <a:rPr lang="en-US" dirty="0"/>
                         <a:t>No one can access system except me</a:t>
                       </a:r>
-                      <a:endParaRPr lang="en-IN" dirty="0"/>
-                    </a:p>
-                  </a:txBody>
-                  <a:tcPr/>
-                </a:tc>
-                <a:tc>
-                  <a:txBody>
-                    <a:bodyPr/>
-                    <a:lstStyle/>
-                    <a:p>
                       <a:endParaRPr lang="en-IN" dirty="0"/>
                     </a:p>
                   </a:txBody>
@@ -45856,31 +45713,6 @@
           <a:chExt cx="0" cy="0"/>
         </a:xfrm>
       </p:grpSpPr>
-      <p:sp>
-        <p:nvSpPr>
-          <p:cNvPr id="2" name="Title 1">
-            <a:extLst>
-              <a:ext uri="{FF2B5EF4-FFF2-40B4-BE49-F238E27FC236}">
-                <a16:creationId xmlns:a16="http://schemas.microsoft.com/office/drawing/2014/main" id="{39E4B4C3-DA17-D6E0-AB8B-6B3D3834D29B}"/>
-              </a:ext>
-            </a:extLst>
-          </p:cNvPr>
-          <p:cNvSpPr>
-            <a:spLocks noGrp="1"/>
-          </p:cNvSpPr>
-          <p:nvPr>
-            <p:ph type="title"/>
-          </p:nvPr>
-        </p:nvSpPr>
-        <p:spPr/>
-        <p:txBody>
-          <a:bodyPr/>
-          <a:lstStyle/>
-          <a:p>
-            <a:endParaRPr lang="en-IN"/>
-          </a:p>
-        </p:txBody>
-      </p:sp>
       <p:graphicFrame>
         <p:nvGraphicFramePr>
           <p:cNvPr id="6" name="Table Placeholder 5">
@@ -45897,14 +45729,14 @@
             <p:ph type="tbl" sz="quarter" idx="27"/>
             <p:extLst>
               <p:ext uri="{D42A27DB-BD31-4B8C-83A1-F6EECF244321}">
-                <p14:modId xmlns:p14="http://schemas.microsoft.com/office/powerpoint/2010/main" val="232976179"/>
+                <p14:modId xmlns:p14="http://schemas.microsoft.com/office/powerpoint/2010/main" val="1637550893"/>
               </p:ext>
             </p:extLst>
           </p:nvPr>
         </p:nvGraphicFramePr>
         <p:xfrm>
-          <a:off x="329816" y="559839"/>
-          <a:ext cx="11393581" cy="5394960"/>
+          <a:off x="1337522" y="643815"/>
+          <a:ext cx="9114865" cy="5394960"/>
         </p:xfrm>
         <a:graphic>
           <a:graphicData uri="http://schemas.openxmlformats.org/drawingml/2006/table">
@@ -45941,13 +45773,6 @@
                     </a:ext>
                   </a:extLst>
                 </a:gridCol>
-                <a:gridCol w="2278716">
-                  <a:extLst>
-                    <a:ext uri="{9D8B030D-6E8A-4147-A177-3AD203B41FA5}">
-                      <a16:colId xmlns:a16="http://schemas.microsoft.com/office/drawing/2014/main" val="3782865485"/>
-                    </a:ext>
-                  </a:extLst>
-                </a:gridCol>
               </a:tblGrid>
               <a:tr h="165857">
                 <a:tc>
@@ -46001,16 +45826,6 @@
                         <a:rPr lang="en-US" dirty="0"/>
                         <a:t>So that &lt;goal&gt;</a:t>
                       </a:r>
-                      <a:endParaRPr lang="en-IN" dirty="0"/>
-                    </a:p>
-                  </a:txBody>
-                  <a:tcPr/>
-                </a:tc>
-                <a:tc>
-                  <a:txBody>
-                    <a:bodyPr/>
-                    <a:lstStyle/>
-                    <a:p>
                       <a:endParaRPr lang="en-IN" dirty="0"/>
                     </a:p>
                   </a:txBody>
@@ -46079,16 +45894,6 @@
                   </a:txBody>
                   <a:tcPr/>
                 </a:tc>
-                <a:tc>
-                  <a:txBody>
-                    <a:bodyPr/>
-                    <a:lstStyle/>
-                    <a:p>
-                      <a:endParaRPr lang="en-IN" dirty="0"/>
-                    </a:p>
-                  </a:txBody>
-                  <a:tcPr/>
-                </a:tc>
                 <a:extLst>
                   <a:ext uri="{0D108BD9-81ED-4DB2-BD59-A6C34878D82A}">
                     <a16:rowId xmlns:a16="http://schemas.microsoft.com/office/drawing/2014/main" val="2826670869"/>
@@ -46152,16 +45957,6 @@
                   </a:txBody>
                   <a:tcPr/>
                 </a:tc>
-                <a:tc>
-                  <a:txBody>
-                    <a:bodyPr/>
-                    <a:lstStyle/>
-                    <a:p>
-                      <a:endParaRPr lang="en-IN" dirty="0"/>
-                    </a:p>
-                  </a:txBody>
-                  <a:tcPr/>
-                </a:tc>
                 <a:extLst>
                   <a:ext uri="{0D108BD9-81ED-4DB2-BD59-A6C34878D82A}">
                     <a16:rowId xmlns:a16="http://schemas.microsoft.com/office/drawing/2014/main" val="1863594176"/>
@@ -46225,16 +46020,6 @@
                   </a:txBody>
                   <a:tcPr/>
                 </a:tc>
-                <a:tc>
-                  <a:txBody>
-                    <a:bodyPr/>
-                    <a:lstStyle/>
-                    <a:p>
-                      <a:endParaRPr lang="en-IN" dirty="0"/>
-                    </a:p>
-                  </a:txBody>
-                  <a:tcPr/>
-                </a:tc>
                 <a:extLst>
                   <a:ext uri="{0D108BD9-81ED-4DB2-BD59-A6C34878D82A}">
                     <a16:rowId xmlns:a16="http://schemas.microsoft.com/office/drawing/2014/main" val="2161528399"/>
@@ -46298,16 +46083,6 @@
                   </a:txBody>
                   <a:tcPr/>
                 </a:tc>
-                <a:tc>
-                  <a:txBody>
-                    <a:bodyPr/>
-                    <a:lstStyle/>
-                    <a:p>
-                      <a:endParaRPr lang="en-IN" dirty="0"/>
-                    </a:p>
-                  </a:txBody>
-                  <a:tcPr/>
-                </a:tc>
                 <a:extLst>
                   <a:ext uri="{0D108BD9-81ED-4DB2-BD59-A6C34878D82A}">
                     <a16:rowId xmlns:a16="http://schemas.microsoft.com/office/drawing/2014/main" val="1757599239"/>
@@ -46371,16 +46146,6 @@
                   </a:txBody>
                   <a:tcPr/>
                 </a:tc>
-                <a:tc>
-                  <a:txBody>
-                    <a:bodyPr/>
-                    <a:lstStyle/>
-                    <a:p>
-                      <a:endParaRPr lang="en-IN" dirty="0"/>
-                    </a:p>
-                  </a:txBody>
-                  <a:tcPr/>
-                </a:tc>
                 <a:extLst>
                   <a:ext uri="{0D108BD9-81ED-4DB2-BD59-A6C34878D82A}">
                     <a16:rowId xmlns:a16="http://schemas.microsoft.com/office/drawing/2014/main" val="832927570"/>
@@ -46444,16 +46209,6 @@
                   </a:txBody>
                   <a:tcPr/>
                 </a:tc>
-                <a:tc>
-                  <a:txBody>
-                    <a:bodyPr/>
-                    <a:lstStyle/>
-                    <a:p>
-                      <a:endParaRPr lang="en-IN" dirty="0"/>
-                    </a:p>
-                  </a:txBody>
-                  <a:tcPr/>
-                </a:tc>
                 <a:extLst>
                   <a:ext uri="{0D108BD9-81ED-4DB2-BD59-A6C34878D82A}">
                     <a16:rowId xmlns:a16="http://schemas.microsoft.com/office/drawing/2014/main" val="294284244"/>
@@ -46512,16 +46267,6 @@
                         <a:rPr lang="en-US" dirty="0"/>
                         <a:t>I can give feedback of system &amp; enhancement can be done</a:t>
                       </a:r>
-                      <a:endParaRPr lang="en-IN" dirty="0"/>
-                    </a:p>
-                  </a:txBody>
-                  <a:tcPr/>
-                </a:tc>
-                <a:tc>
-                  <a:txBody>
-                    <a:bodyPr/>
-                    <a:lstStyle/>
-                    <a:p>
                       <a:endParaRPr lang="en-IN" dirty="0"/>
                     </a:p>
                   </a:txBody>
@@ -46626,31 +46371,6 @@
           <a:chExt cx="0" cy="0"/>
         </a:xfrm>
       </p:grpSpPr>
-      <p:sp>
-        <p:nvSpPr>
-          <p:cNvPr id="2" name="Title 1">
-            <a:extLst>
-              <a:ext uri="{FF2B5EF4-FFF2-40B4-BE49-F238E27FC236}">
-                <a16:creationId xmlns:a16="http://schemas.microsoft.com/office/drawing/2014/main" id="{39E4B4C3-DA17-D6E0-AB8B-6B3D3834D29B}"/>
-              </a:ext>
-            </a:extLst>
-          </p:cNvPr>
-          <p:cNvSpPr>
-            <a:spLocks noGrp="1"/>
-          </p:cNvSpPr>
-          <p:nvPr>
-            <p:ph type="title"/>
-          </p:nvPr>
-        </p:nvSpPr>
-        <p:spPr/>
-        <p:txBody>
-          <a:bodyPr/>
-          <a:lstStyle/>
-          <a:p>
-            <a:endParaRPr lang="en-IN"/>
-          </a:p>
-        </p:txBody>
-      </p:sp>
       <p:graphicFrame>
         <p:nvGraphicFramePr>
           <p:cNvPr id="6" name="Table Placeholder 5">
@@ -46667,14 +46387,14 @@
             <p:ph type="tbl" sz="quarter" idx="27"/>
             <p:extLst>
               <p:ext uri="{D42A27DB-BD31-4B8C-83A1-F6EECF244321}">
-                <p14:modId xmlns:p14="http://schemas.microsoft.com/office/powerpoint/2010/main" val="2649577038"/>
+                <p14:modId xmlns:p14="http://schemas.microsoft.com/office/powerpoint/2010/main" val="1334235375"/>
               </p:ext>
             </p:extLst>
           </p:nvPr>
         </p:nvGraphicFramePr>
         <p:xfrm>
-          <a:off x="329816" y="615820"/>
-          <a:ext cx="11393581" cy="5323840"/>
+          <a:off x="1038943" y="629111"/>
+          <a:ext cx="9114865" cy="5323840"/>
         </p:xfrm>
         <a:graphic>
           <a:graphicData uri="http://schemas.openxmlformats.org/drawingml/2006/table">
@@ -46711,15 +46431,8 @@
                     </a:ext>
                   </a:extLst>
                 </a:gridCol>
-                <a:gridCol w="2278716">
-                  <a:extLst>
-                    <a:ext uri="{9D8B030D-6E8A-4147-A177-3AD203B41FA5}">
-                      <a16:colId xmlns:a16="http://schemas.microsoft.com/office/drawing/2014/main" val="3782865485"/>
-                    </a:ext>
-                  </a:extLst>
-                </a:gridCol>
               </a:tblGrid>
-              <a:tr h="165857">
+              <a:tr h="249832">
                 <a:tc>
                   <a:txBody>
                     <a:bodyPr/>
@@ -46771,16 +46484,6 @@
                         <a:rPr lang="en-US"/>
                         <a:t>So that &lt;goal&gt;</a:t>
                       </a:r>
-                      <a:endParaRPr lang="en-IN" dirty="0"/>
-                    </a:p>
-                  </a:txBody>
-                  <a:tcPr/>
-                </a:tc>
-                <a:tc>
-                  <a:txBody>
-                    <a:bodyPr/>
-                    <a:lstStyle/>
-                    <a:p>
                       <a:endParaRPr lang="en-IN" dirty="0"/>
                     </a:p>
                   </a:txBody>
@@ -46849,16 +46552,6 @@
                   </a:txBody>
                   <a:tcPr/>
                 </a:tc>
-                <a:tc>
-                  <a:txBody>
-                    <a:bodyPr/>
-                    <a:lstStyle/>
-                    <a:p>
-                      <a:endParaRPr lang="en-IN" dirty="0"/>
-                    </a:p>
-                  </a:txBody>
-                  <a:tcPr/>
-                </a:tc>
                 <a:extLst>
                   <a:ext uri="{0D108BD9-81ED-4DB2-BD59-A6C34878D82A}">
                     <a16:rowId xmlns:a16="http://schemas.microsoft.com/office/drawing/2014/main" val="2826670869"/>
@@ -46922,16 +46615,6 @@
                   </a:txBody>
                   <a:tcPr/>
                 </a:tc>
-                <a:tc>
-                  <a:txBody>
-                    <a:bodyPr/>
-                    <a:lstStyle/>
-                    <a:p>
-                      <a:endParaRPr lang="en-IN" dirty="0"/>
-                    </a:p>
-                  </a:txBody>
-                  <a:tcPr/>
-                </a:tc>
                 <a:extLst>
                   <a:ext uri="{0D108BD9-81ED-4DB2-BD59-A6C34878D82A}">
                     <a16:rowId xmlns:a16="http://schemas.microsoft.com/office/drawing/2014/main" val="1863594176"/>
@@ -46995,16 +46678,6 @@
                   </a:txBody>
                   <a:tcPr/>
                 </a:tc>
-                <a:tc>
-                  <a:txBody>
-                    <a:bodyPr/>
-                    <a:lstStyle/>
-                    <a:p>
-                      <a:endParaRPr lang="en-IN" dirty="0"/>
-                    </a:p>
-                  </a:txBody>
-                  <a:tcPr/>
-                </a:tc>
                 <a:extLst>
                   <a:ext uri="{0D108BD9-81ED-4DB2-BD59-A6C34878D82A}">
                     <a16:rowId xmlns:a16="http://schemas.microsoft.com/office/drawing/2014/main" val="770228079"/>
@@ -47068,16 +46741,6 @@
                   </a:txBody>
                   <a:tcPr/>
                 </a:tc>
-                <a:tc>
-                  <a:txBody>
-                    <a:bodyPr/>
-                    <a:lstStyle/>
-                    <a:p>
-                      <a:endParaRPr lang="en-US" dirty="0"/>
-                    </a:p>
-                  </a:txBody>
-                  <a:tcPr/>
-                </a:tc>
                 <a:extLst>
                   <a:ext uri="{0D108BD9-81ED-4DB2-BD59-A6C34878D82A}">
                     <a16:rowId xmlns:a16="http://schemas.microsoft.com/office/drawing/2014/main" val="1429404056"/>
@@ -47141,16 +46804,6 @@
                   </a:txBody>
                   <a:tcPr/>
                 </a:tc>
-                <a:tc>
-                  <a:txBody>
-                    <a:bodyPr/>
-                    <a:lstStyle/>
-                    <a:p>
-                      <a:endParaRPr lang="en-IN" dirty="0"/>
-                    </a:p>
-                  </a:txBody>
-                  <a:tcPr/>
-                </a:tc>
                 <a:extLst>
                   <a:ext uri="{0D108BD9-81ED-4DB2-BD59-A6C34878D82A}">
                     <a16:rowId xmlns:a16="http://schemas.microsoft.com/office/drawing/2014/main" val="4124756804"/>
@@ -47214,16 +46867,6 @@
                   </a:txBody>
                   <a:tcPr/>
                 </a:tc>
-                <a:tc>
-                  <a:txBody>
-                    <a:bodyPr/>
-                    <a:lstStyle/>
-                    <a:p>
-                      <a:endParaRPr lang="en-IN" dirty="0"/>
-                    </a:p>
-                  </a:txBody>
-                  <a:tcPr/>
-                </a:tc>
                 <a:extLst>
                   <a:ext uri="{0D108BD9-81ED-4DB2-BD59-A6C34878D82A}">
                     <a16:rowId xmlns:a16="http://schemas.microsoft.com/office/drawing/2014/main" val="3866163213"/>
@@ -47287,16 +46930,6 @@
                   </a:txBody>
                   <a:tcPr/>
                 </a:tc>
-                <a:tc>
-                  <a:txBody>
-                    <a:bodyPr/>
-                    <a:lstStyle/>
-                    <a:p>
-                      <a:endParaRPr lang="en-IN" dirty="0"/>
-                    </a:p>
-                  </a:txBody>
-                  <a:tcPr/>
-                </a:tc>
                 <a:extLst>
                   <a:ext uri="{0D108BD9-81ED-4DB2-BD59-A6C34878D82A}">
                     <a16:rowId xmlns:a16="http://schemas.microsoft.com/office/drawing/2014/main" val="3956411047"/>
@@ -47360,16 +46993,6 @@
                   </a:txBody>
                   <a:tcPr/>
                 </a:tc>
-                <a:tc>
-                  <a:txBody>
-                    <a:bodyPr/>
-                    <a:lstStyle/>
-                    <a:p>
-                      <a:endParaRPr lang="en-IN" dirty="0"/>
-                    </a:p>
-                  </a:txBody>
-                  <a:tcPr/>
-                </a:tc>
                 <a:extLst>
                   <a:ext uri="{0D108BD9-81ED-4DB2-BD59-A6C34878D82A}">
                     <a16:rowId xmlns:a16="http://schemas.microsoft.com/office/drawing/2014/main" val="4205155607"/>
@@ -47428,16 +47051,6 @@
                         <a:rPr lang="en-US" dirty="0"/>
                         <a:t>No one can access my data </a:t>
                       </a:r>
-                      <a:endParaRPr lang="en-IN" dirty="0"/>
-                    </a:p>
-                  </a:txBody>
-                  <a:tcPr/>
-                </a:tc>
-                <a:tc>
-                  <a:txBody>
-                    <a:bodyPr/>
-                    <a:lstStyle/>
-                    <a:p>
                       <a:endParaRPr lang="en-IN" dirty="0"/>
                     </a:p>
                   </a:txBody>
@@ -47542,31 +47155,6 @@
           <a:chExt cx="0" cy="0"/>
         </a:xfrm>
       </p:grpSpPr>
-      <p:sp>
-        <p:nvSpPr>
-          <p:cNvPr id="2" name="Title 1">
-            <a:extLst>
-              <a:ext uri="{FF2B5EF4-FFF2-40B4-BE49-F238E27FC236}">
-                <a16:creationId xmlns:a16="http://schemas.microsoft.com/office/drawing/2014/main" id="{39E4B4C3-DA17-D6E0-AB8B-6B3D3834D29B}"/>
-              </a:ext>
-            </a:extLst>
-          </p:cNvPr>
-          <p:cNvSpPr>
-            <a:spLocks noGrp="1"/>
-          </p:cNvSpPr>
-          <p:nvPr>
-            <p:ph type="title"/>
-          </p:nvPr>
-        </p:nvSpPr>
-        <p:spPr/>
-        <p:txBody>
-          <a:bodyPr/>
-          <a:lstStyle/>
-          <a:p>
-            <a:endParaRPr lang="en-IN"/>
-          </a:p>
-        </p:txBody>
-      </p:sp>
       <p:graphicFrame>
         <p:nvGraphicFramePr>
           <p:cNvPr id="6" name="Table Placeholder 5">
@@ -47583,14 +47171,14 @@
             <p:ph type="tbl" sz="quarter" idx="27"/>
             <p:extLst>
               <p:ext uri="{D42A27DB-BD31-4B8C-83A1-F6EECF244321}">
-                <p14:modId xmlns:p14="http://schemas.microsoft.com/office/powerpoint/2010/main" val="3748510073"/>
+                <p14:modId xmlns:p14="http://schemas.microsoft.com/office/powerpoint/2010/main" val="4164963186"/>
               </p:ext>
             </p:extLst>
           </p:nvPr>
         </p:nvGraphicFramePr>
         <p:xfrm>
-          <a:off x="259180" y="274955"/>
-          <a:ext cx="11393581" cy="5943600"/>
+          <a:off x="1112344" y="335584"/>
+          <a:ext cx="9435326" cy="5943600"/>
         </p:xfrm>
         <a:graphic>
           <a:graphicData uri="http://schemas.openxmlformats.org/drawingml/2006/table">
@@ -47627,13 +47215,6 @@
                     </a:ext>
                   </a:extLst>
                 </a:gridCol>
-                <a:gridCol w="1958255">
-                  <a:extLst>
-                    <a:ext uri="{9D8B030D-6E8A-4147-A177-3AD203B41FA5}">
-                      <a16:colId xmlns:a16="http://schemas.microsoft.com/office/drawing/2014/main" val="3782865485"/>
-                    </a:ext>
-                  </a:extLst>
-                </a:gridCol>
               </a:tblGrid>
               <a:tr h="165857">
                 <a:tc>
@@ -47687,16 +47268,6 @@
                         <a:rPr lang="en-US" dirty="0"/>
                         <a:t>So that &lt;goal&gt;</a:t>
                       </a:r>
-                      <a:endParaRPr lang="en-IN" dirty="0"/>
-                    </a:p>
-                  </a:txBody>
-                  <a:tcPr/>
-                </a:tc>
-                <a:tc>
-                  <a:txBody>
-                    <a:bodyPr/>
-                    <a:lstStyle/>
-                    <a:p>
                       <a:endParaRPr lang="en-IN" dirty="0"/>
                     </a:p>
                   </a:txBody>
@@ -47765,16 +47336,6 @@
                   </a:txBody>
                   <a:tcPr/>
                 </a:tc>
-                <a:tc>
-                  <a:txBody>
-                    <a:bodyPr/>
-                    <a:lstStyle/>
-                    <a:p>
-                      <a:endParaRPr lang="en-IN" dirty="0"/>
-                    </a:p>
-                  </a:txBody>
-                  <a:tcPr/>
-                </a:tc>
                 <a:extLst>
                   <a:ext uri="{0D108BD9-81ED-4DB2-BD59-A6C34878D82A}">
                     <a16:rowId xmlns:a16="http://schemas.microsoft.com/office/drawing/2014/main" val="3797678770"/>
@@ -47838,16 +47399,6 @@
                   </a:txBody>
                   <a:tcPr/>
                 </a:tc>
-                <a:tc>
-                  <a:txBody>
-                    <a:bodyPr/>
-                    <a:lstStyle/>
-                    <a:p>
-                      <a:endParaRPr lang="en-IN" dirty="0"/>
-                    </a:p>
-                  </a:txBody>
-                  <a:tcPr/>
-                </a:tc>
                 <a:extLst>
                   <a:ext uri="{0D108BD9-81ED-4DB2-BD59-A6C34878D82A}">
                     <a16:rowId xmlns:a16="http://schemas.microsoft.com/office/drawing/2014/main" val="2790804536"/>
@@ -47911,16 +47462,6 @@
                   </a:txBody>
                   <a:tcPr/>
                 </a:tc>
-                <a:tc>
-                  <a:txBody>
-                    <a:bodyPr/>
-                    <a:lstStyle/>
-                    <a:p>
-                      <a:endParaRPr lang="en-IN" dirty="0"/>
-                    </a:p>
-                  </a:txBody>
-                  <a:tcPr/>
-                </a:tc>
                 <a:extLst>
                   <a:ext uri="{0D108BD9-81ED-4DB2-BD59-A6C34878D82A}">
                     <a16:rowId xmlns:a16="http://schemas.microsoft.com/office/drawing/2014/main" val="1212067180"/>
@@ -47984,16 +47525,6 @@
                   </a:txBody>
                   <a:tcPr/>
                 </a:tc>
-                <a:tc>
-                  <a:txBody>
-                    <a:bodyPr/>
-                    <a:lstStyle/>
-                    <a:p>
-                      <a:endParaRPr lang="en-IN" dirty="0"/>
-                    </a:p>
-                  </a:txBody>
-                  <a:tcPr/>
-                </a:tc>
                 <a:extLst>
                   <a:ext uri="{0D108BD9-81ED-4DB2-BD59-A6C34878D82A}">
                     <a16:rowId xmlns:a16="http://schemas.microsoft.com/office/drawing/2014/main" val="677778871"/>
@@ -48057,16 +47588,6 @@
                   </a:txBody>
                   <a:tcPr/>
                 </a:tc>
-                <a:tc>
-                  <a:txBody>
-                    <a:bodyPr/>
-                    <a:lstStyle/>
-                    <a:p>
-                      <a:endParaRPr lang="en-IN" dirty="0"/>
-                    </a:p>
-                  </a:txBody>
-                  <a:tcPr/>
-                </a:tc>
                 <a:extLst>
                   <a:ext uri="{0D108BD9-81ED-4DB2-BD59-A6C34878D82A}">
                     <a16:rowId xmlns:a16="http://schemas.microsoft.com/office/drawing/2014/main" val="3074914139"/>
@@ -48130,16 +47651,6 @@
                   </a:txBody>
                   <a:tcPr/>
                 </a:tc>
-                <a:tc>
-                  <a:txBody>
-                    <a:bodyPr/>
-                    <a:lstStyle/>
-                    <a:p>
-                      <a:endParaRPr lang="en-IN" dirty="0"/>
-                    </a:p>
-                  </a:txBody>
-                  <a:tcPr/>
-                </a:tc>
                 <a:extLst>
                   <a:ext uri="{0D108BD9-81ED-4DB2-BD59-A6C34878D82A}">
                     <a16:rowId xmlns:a16="http://schemas.microsoft.com/office/drawing/2014/main" val="3204763034"/>
@@ -48203,16 +47714,6 @@
                   </a:txBody>
                   <a:tcPr/>
                 </a:tc>
-                <a:tc>
-                  <a:txBody>
-                    <a:bodyPr/>
-                    <a:lstStyle/>
-                    <a:p>
-                      <a:endParaRPr lang="en-IN" dirty="0"/>
-                    </a:p>
-                  </a:txBody>
-                  <a:tcPr/>
-                </a:tc>
                 <a:extLst>
                   <a:ext uri="{0D108BD9-81ED-4DB2-BD59-A6C34878D82A}">
                     <a16:rowId xmlns:a16="http://schemas.microsoft.com/office/drawing/2014/main" val="2592002373"/>
@@ -48276,16 +47777,6 @@
                   </a:txBody>
                   <a:tcPr/>
                 </a:tc>
-                <a:tc>
-                  <a:txBody>
-                    <a:bodyPr/>
-                    <a:lstStyle/>
-                    <a:p>
-                      <a:endParaRPr lang="en-IN" dirty="0"/>
-                    </a:p>
-                  </a:txBody>
-                  <a:tcPr/>
-                </a:tc>
                 <a:extLst>
                   <a:ext uri="{0D108BD9-81ED-4DB2-BD59-A6C34878D82A}">
                     <a16:rowId xmlns:a16="http://schemas.microsoft.com/office/drawing/2014/main" val="3410205278"/>
@@ -48349,16 +47840,6 @@
                   </a:txBody>
                   <a:tcPr/>
                 </a:tc>
-                <a:tc>
-                  <a:txBody>
-                    <a:bodyPr/>
-                    <a:lstStyle/>
-                    <a:p>
-                      <a:endParaRPr lang="en-IN" dirty="0"/>
-                    </a:p>
-                  </a:txBody>
-                  <a:tcPr/>
-                </a:tc>
                 <a:extLst>
                   <a:ext uri="{0D108BD9-81ED-4DB2-BD59-A6C34878D82A}">
                     <a16:rowId xmlns:a16="http://schemas.microsoft.com/office/drawing/2014/main" val="3013172167"/>
@@ -48417,16 +47898,6 @@
                         <a:rPr lang="en-US" dirty="0"/>
                         <a:t>No one can access my data </a:t>
                       </a:r>
-                      <a:endParaRPr lang="en-IN" dirty="0"/>
-                    </a:p>
-                  </a:txBody>
-                  <a:tcPr/>
-                </a:tc>
-                <a:tc>
-                  <a:txBody>
-                    <a:bodyPr/>
-                    <a:lstStyle/>
-                    <a:p>
                       <a:endParaRPr lang="en-IN" dirty="0"/>
                     </a:p>
                   </a:txBody>
@@ -48458,11 +47929,17 @@
             <p:ph type="ftr" sz="quarter" idx="28"/>
           </p:nvPr>
         </p:nvSpPr>
-        <p:spPr/>
+        <p:spPr>
+          <a:xfrm>
+            <a:off x="554025" y="6096622"/>
+            <a:ext cx="4114800" cy="365125"/>
+          </a:xfrm>
+        </p:spPr>
         <p:txBody>
           <a:bodyPr/>
           <a:lstStyle/>
           <a:p>
+            <a:pPr algn="just"/>
             <a:r>
               <a:rPr lang="en-US"/>
               <a:t>healthcare</a:t>
@@ -48487,14 +47964,20 @@
             <p:ph type="sldNum" sz="quarter" idx="29"/>
           </p:nvPr>
         </p:nvSpPr>
-        <p:spPr/>
+        <p:spPr>
+          <a:xfrm>
+            <a:off x="11263562" y="6096622"/>
+            <a:ext cx="458592" cy="365125"/>
+          </a:xfrm>
+        </p:spPr>
         <p:txBody>
           <a:bodyPr/>
           <a:lstStyle/>
           <a:p>
+            <a:pPr algn="just"/>
             <a:fld id="{47FEACEE-25B4-4A2D-B147-27296E36371D}" type="slidenum">
               <a:rPr lang="en-US" altLang="zh-CN" smtClean="0"/>
-              <a:pPr/>
+              <a:pPr algn="just"/>
               <a:t>38</a:t>
             </a:fld>
             <a:endParaRPr lang="en-US" altLang="zh-CN" dirty="0"/>
@@ -49008,14 +48491,14 @@
           <p:nvPr>
             <p:extLst>
               <p:ext uri="{D42A27DB-BD31-4B8C-83A1-F6EECF244321}">
-                <p14:modId xmlns:p14="http://schemas.microsoft.com/office/powerpoint/2010/main" val="341048831"/>
+                <p14:modId xmlns:p14="http://schemas.microsoft.com/office/powerpoint/2010/main" val="3007178741"/>
               </p:ext>
             </p:extLst>
           </p:nvPr>
         </p:nvGraphicFramePr>
         <p:xfrm>
-          <a:off x="111969" y="475860"/>
-          <a:ext cx="11429999" cy="4436474"/>
+          <a:off x="111969" y="447867"/>
+          <a:ext cx="11429999" cy="4534212"/>
         </p:xfrm>
         <a:graphic>
           <a:graphicData uri="http://schemas.openxmlformats.org/drawingml/2006/table">
@@ -49080,6 +48563,7 @@
                     <a:bodyPr/>
                     <a:lstStyle/>
                     <a:p>
+                      <a:pPr algn="ctr"/>
                       <a:r>
                         <a:rPr lang="en-US" dirty="0"/>
                         <a:t>Sprint </a:t>
@@ -49094,6 +48578,7 @@
                     <a:bodyPr/>
                     <a:lstStyle/>
                     <a:p>
+                      <a:pPr algn="ctr"/>
                       <a:r>
                         <a:rPr lang="en-US" dirty="0"/>
                         <a:t>Task </a:t>
@@ -49108,6 +48593,7 @@
                     <a:bodyPr/>
                     <a:lstStyle/>
                     <a:p>
+                      <a:pPr algn="ctr"/>
                       <a:r>
                         <a:rPr lang="en-US" dirty="0"/>
                         <a:t>Start date </a:t>
@@ -49122,6 +48608,7 @@
                     <a:bodyPr/>
                     <a:lstStyle/>
                     <a:p>
+                      <a:pPr algn="ctr"/>
                       <a:r>
                         <a:rPr lang="en-US" dirty="0"/>
                         <a:t>End date </a:t>
@@ -49136,9 +48623,10 @@
                     <a:bodyPr/>
                     <a:lstStyle/>
                     <a:p>
+                      <a:pPr algn="ctr"/>
                       <a:r>
                         <a:rPr lang="en-US" dirty="0"/>
-                        <a:t>Duration(hrs.)</a:t>
+                        <a:t>Duration(Days)</a:t>
                       </a:r>
                       <a:endParaRPr lang="en-IN" dirty="0"/>
                     </a:p>
@@ -49150,6 +48638,7 @@
                     <a:bodyPr/>
                     <a:lstStyle/>
                     <a:p>
+                      <a:pPr algn="ctr"/>
                       <a:r>
                         <a:rPr lang="en-US" dirty="0"/>
                         <a:t>Status </a:t>
@@ -49164,6 +48653,7 @@
                     <a:bodyPr/>
                     <a:lstStyle/>
                     <a:p>
+                      <a:pPr algn="ctr"/>
                       <a:r>
                         <a:rPr lang="en-US" dirty="0"/>
                         <a:t>Release date </a:t>
@@ -49185,6 +48675,7 @@
                     <a:bodyPr/>
                     <a:lstStyle/>
                     <a:p>
+                      <a:pPr algn="ctr"/>
                       <a:r>
                         <a:rPr lang="en-US" dirty="0"/>
                         <a:t>1 </a:t>
@@ -49199,6 +48690,7 @@
                     <a:bodyPr/>
                     <a:lstStyle/>
                     <a:p>
+                      <a:pPr algn="ctr"/>
                       <a:r>
                         <a:rPr lang="en-US" dirty="0"/>
                         <a:t>Login &amp; signup </a:t>
@@ -49213,6 +48705,7 @@
                     <a:bodyPr/>
                     <a:lstStyle/>
                     <a:p>
+                      <a:pPr algn="ctr"/>
                       <a:r>
                         <a:rPr lang="en-US" dirty="0"/>
                         <a:t>16-08-2023</a:t>
@@ -49227,6 +48720,7 @@
                     <a:bodyPr/>
                     <a:lstStyle/>
                     <a:p>
+                      <a:pPr algn="ctr"/>
                       <a:r>
                         <a:rPr lang="en-US" dirty="0"/>
                         <a:t>18-08-2023</a:t>
@@ -49241,6 +48735,11 @@
                     <a:bodyPr/>
                     <a:lstStyle/>
                     <a:p>
+                      <a:pPr algn="ctr"/>
+                      <a:r>
+                        <a:rPr lang="en-US" dirty="0"/>
+                        <a:t>3</a:t>
+                      </a:r>
                       <a:endParaRPr lang="en-IN" dirty="0"/>
                     </a:p>
                   </a:txBody>
@@ -49251,9 +48750,10 @@
                     <a:bodyPr/>
                     <a:lstStyle/>
                     <a:p>
+                      <a:pPr algn="ctr"/>
                       <a:r>
                         <a:rPr lang="en-US" dirty="0"/>
-                        <a:t>Planned </a:t>
+                        <a:t>Released </a:t>
                       </a:r>
                       <a:endParaRPr lang="en-IN" dirty="0"/>
                     </a:p>
@@ -49265,6 +48765,7 @@
                     <a:bodyPr/>
                     <a:lstStyle/>
                     <a:p>
+                      <a:pPr algn="ctr"/>
                       <a:r>
                         <a:rPr lang="en-US" dirty="0"/>
                         <a:t>19-08-2023</a:t>
@@ -49286,67 +48787,102 @@
                     <a:bodyPr/>
                     <a:lstStyle/>
                     <a:p>
-                      <a:endParaRPr lang="en-IN"/>
-                    </a:p>
-                  </a:txBody>
-                  <a:tcPr/>
-                </a:tc>
-                <a:tc>
-                  <a:txBody>
-                    <a:bodyPr/>
-                    <a:lstStyle/>
-                    <a:p>
-                      <a:endParaRPr lang="en-IN"/>
-                    </a:p>
-                  </a:txBody>
-                  <a:tcPr/>
-                </a:tc>
-                <a:tc>
-                  <a:txBody>
-                    <a:bodyPr/>
-                    <a:lstStyle/>
-                    <a:p>
-                      <a:endParaRPr lang="en-IN"/>
-                    </a:p>
-                  </a:txBody>
-                  <a:tcPr/>
-                </a:tc>
-                <a:tc>
-                  <a:txBody>
-                    <a:bodyPr/>
-                    <a:lstStyle/>
-                    <a:p>
-                      <a:endParaRPr lang="en-IN"/>
-                    </a:p>
-                  </a:txBody>
-                  <a:tcPr/>
-                </a:tc>
-                <a:tc>
-                  <a:txBody>
-                    <a:bodyPr/>
-                    <a:lstStyle/>
-                    <a:p>
-                      <a:endParaRPr lang="en-IN"/>
-                    </a:p>
-                  </a:txBody>
-                  <a:tcPr/>
-                </a:tc>
-                <a:tc>
-                  <a:txBody>
-                    <a:bodyPr/>
-                    <a:lstStyle/>
-                    <a:p>
-                      <a:endParaRPr lang="en-IN"/>
-                    </a:p>
-                  </a:txBody>
-                  <a:tcPr/>
-                </a:tc>
-                <a:tc>
-                  <a:txBody>
-                    <a:bodyPr/>
-                    <a:lstStyle/>
-                    <a:p>
-                      <a:endParaRPr lang="en-IN"/>
+                      <a:pPr algn="ctr"/>
+                      <a:r>
+                        <a:rPr lang="en-US" dirty="0"/>
+                        <a:t>2</a:t>
+                      </a:r>
+                      <a:endParaRPr lang="en-IN" dirty="0"/>
+                    </a:p>
+                  </a:txBody>
+                  <a:tcPr/>
+                </a:tc>
+                <a:tc>
+                  <a:txBody>
+                    <a:bodyPr/>
+                    <a:lstStyle/>
+                    <a:p>
+                      <a:pPr algn="ctr"/>
+                      <a:r>
+                        <a:rPr lang="en-US" dirty="0"/>
+                        <a:t>Admin home screen</a:t>
+                      </a:r>
+                      <a:endParaRPr lang="en-IN" dirty="0"/>
+                    </a:p>
+                  </a:txBody>
+                  <a:tcPr/>
+                </a:tc>
+                <a:tc>
+                  <a:txBody>
+                    <a:bodyPr/>
+                    <a:lstStyle/>
+                    <a:p>
+                      <a:pPr algn="ctr"/>
+                      <a:r>
+                        <a:rPr lang="en-US" dirty="0"/>
+                        <a:t>20-08-2023</a:t>
+                      </a:r>
+                      <a:endParaRPr lang="en-IN" dirty="0"/>
+                    </a:p>
+                  </a:txBody>
+                  <a:tcPr/>
+                </a:tc>
+                <a:tc>
+                  <a:txBody>
+                    <a:bodyPr/>
+                    <a:lstStyle/>
+                    <a:p>
+                      <a:pPr algn="ctr"/>
+                      <a:r>
+                        <a:rPr lang="en-US" dirty="0"/>
+                        <a:t>23-08-2023</a:t>
+                      </a:r>
+                      <a:endParaRPr lang="en-IN" dirty="0"/>
+                    </a:p>
+                  </a:txBody>
+                  <a:tcPr/>
+                </a:tc>
+                <a:tc>
+                  <a:txBody>
+                    <a:bodyPr/>
+                    <a:lstStyle/>
+                    <a:p>
+                      <a:pPr algn="ctr"/>
+                      <a:r>
+                        <a:rPr lang="en-US" dirty="0"/>
+                        <a:t>4</a:t>
+                      </a:r>
+                      <a:endParaRPr lang="en-IN" dirty="0"/>
+                    </a:p>
+                  </a:txBody>
+                  <a:tcPr/>
+                </a:tc>
+                <a:tc>
+                  <a:txBody>
+                    <a:bodyPr/>
+                    <a:lstStyle/>
+                    <a:p>
+                      <a:pPr algn="ctr"/>
+                      <a:r>
+                        <a:rPr lang="en-US" dirty="0"/>
+                        <a:t>Released </a:t>
+                      </a:r>
+                      <a:endParaRPr lang="en-IN" dirty="0"/>
+                    </a:p>
+                  </a:txBody>
+                  <a:tcPr/>
+                </a:tc>
+                <a:tc>
+                  <a:txBody>
+                    <a:bodyPr/>
+                    <a:lstStyle/>
+                    <a:p>
+                      <a:pPr algn="ctr"/>
+                      <a:r>
+                        <a:rPr lang="en-US" dirty="0"/>
+                        <a:t>26-08-2023</a:t>
+                      </a:r>
+                      <a:endParaRPr lang="en-IN" dirty="0"/>
                     </a:p>
                   </a:txBody>
                   <a:tcPr/>
@@ -49363,6 +48899,7 @@
                     <a:bodyPr/>
                     <a:lstStyle/>
                     <a:p>
+                      <a:pPr algn="ctr"/>
                       <a:endParaRPr lang="en-IN"/>
                     </a:p>
                   </a:txBody>
@@ -49373,6 +48910,29 @@
                     <a:bodyPr/>
                     <a:lstStyle/>
                     <a:p>
+                      <a:pPr algn="ctr"/>
+                      <a:endParaRPr lang="en-IN" dirty="0"/>
+                    </a:p>
+                  </a:txBody>
+                  <a:tcPr/>
+                </a:tc>
+                <a:tc>
+                  <a:txBody>
+                    <a:bodyPr/>
+                    <a:lstStyle/>
+                    <a:p>
+                      <a:pPr algn="ctr"/>
+                      <a:endParaRPr lang="en-IN" dirty="0"/>
+                    </a:p>
+                  </a:txBody>
+                  <a:tcPr/>
+                </a:tc>
+                <a:tc>
+                  <a:txBody>
+                    <a:bodyPr/>
+                    <a:lstStyle/>
+                    <a:p>
+                      <a:pPr algn="ctr"/>
                       <a:endParaRPr lang="en-IN"/>
                     </a:p>
                   </a:txBody>
@@ -49383,6 +48943,7 @@
                     <a:bodyPr/>
                     <a:lstStyle/>
                     <a:p>
+                      <a:pPr algn="ctr"/>
                       <a:endParaRPr lang="en-IN"/>
                     </a:p>
                   </a:txBody>
@@ -49393,6 +48954,7 @@
                     <a:bodyPr/>
                     <a:lstStyle/>
                     <a:p>
+                      <a:pPr algn="ctr"/>
                       <a:endParaRPr lang="en-IN"/>
                     </a:p>
                   </a:txBody>
@@ -49403,26 +48965,7 @@
                     <a:bodyPr/>
                     <a:lstStyle/>
                     <a:p>
-                      <a:endParaRPr lang="en-IN"/>
-                    </a:p>
-                  </a:txBody>
-                  <a:tcPr/>
-                </a:tc>
-                <a:tc>
-                  <a:txBody>
-                    <a:bodyPr/>
-                    <a:lstStyle/>
-                    <a:p>
-                      <a:endParaRPr lang="en-IN"/>
-                    </a:p>
-                  </a:txBody>
-                  <a:tcPr/>
-                </a:tc>
-                <a:tc>
-                  <a:txBody>
-                    <a:bodyPr/>
-                    <a:lstStyle/>
-                    <a:p>
+                      <a:pPr algn="ctr"/>
                       <a:endParaRPr lang="en-IN"/>
                     </a:p>
                   </a:txBody>
@@ -49440,6 +48983,7 @@
                     <a:bodyPr/>
                     <a:lstStyle/>
                     <a:p>
+                      <a:pPr algn="ctr"/>
                       <a:endParaRPr lang="en-IN"/>
                     </a:p>
                   </a:txBody>
@@ -49450,6 +48994,7 @@
                     <a:bodyPr/>
                     <a:lstStyle/>
                     <a:p>
+                      <a:pPr algn="ctr"/>
                       <a:endParaRPr lang="en-IN"/>
                     </a:p>
                   </a:txBody>
@@ -49460,6 +49005,7 @@
                     <a:bodyPr/>
                     <a:lstStyle/>
                     <a:p>
+                      <a:pPr algn="ctr"/>
                       <a:endParaRPr lang="en-IN"/>
                     </a:p>
                   </a:txBody>
@@ -49470,6 +49016,7 @@
                     <a:bodyPr/>
                     <a:lstStyle/>
                     <a:p>
+                      <a:pPr algn="ctr"/>
                       <a:endParaRPr lang="en-IN"/>
                     </a:p>
                   </a:txBody>
@@ -49480,6 +49027,7 @@
                     <a:bodyPr/>
                     <a:lstStyle/>
                     <a:p>
+                      <a:pPr algn="ctr"/>
                       <a:endParaRPr lang="en-IN"/>
                     </a:p>
                   </a:txBody>
@@ -49490,6 +49038,7 @@
                     <a:bodyPr/>
                     <a:lstStyle/>
                     <a:p>
+                      <a:pPr algn="ctr"/>
                       <a:endParaRPr lang="en-IN"/>
                     </a:p>
                   </a:txBody>
@@ -49500,6 +49049,7 @@
                     <a:bodyPr/>
                     <a:lstStyle/>
                     <a:p>
+                      <a:pPr algn="ctr"/>
                       <a:endParaRPr lang="en-IN"/>
                     </a:p>
                   </a:txBody>
@@ -49517,6 +49067,7 @@
                     <a:bodyPr/>
                     <a:lstStyle/>
                     <a:p>
+                      <a:pPr algn="ctr"/>
                       <a:endParaRPr lang="en-IN"/>
                     </a:p>
                   </a:txBody>
@@ -49527,6 +49078,7 @@
                     <a:bodyPr/>
                     <a:lstStyle/>
                     <a:p>
+                      <a:pPr algn="ctr"/>
                       <a:endParaRPr lang="en-IN"/>
                     </a:p>
                   </a:txBody>
@@ -49537,6 +49089,7 @@
                     <a:bodyPr/>
                     <a:lstStyle/>
                     <a:p>
+                      <a:pPr algn="ctr"/>
                       <a:endParaRPr lang="en-IN"/>
                     </a:p>
                   </a:txBody>
@@ -49547,6 +49100,7 @@
                     <a:bodyPr/>
                     <a:lstStyle/>
                     <a:p>
+                      <a:pPr algn="ctr"/>
                       <a:endParaRPr lang="en-IN"/>
                     </a:p>
                   </a:txBody>
@@ -49557,6 +49111,7 @@
                     <a:bodyPr/>
                     <a:lstStyle/>
                     <a:p>
+                      <a:pPr algn="ctr"/>
                       <a:endParaRPr lang="en-IN"/>
                     </a:p>
                   </a:txBody>
@@ -49567,6 +49122,7 @@
                     <a:bodyPr/>
                     <a:lstStyle/>
                     <a:p>
+                      <a:pPr algn="ctr"/>
                       <a:endParaRPr lang="en-IN"/>
                     </a:p>
                   </a:txBody>
@@ -49577,6 +49133,7 @@
                     <a:bodyPr/>
                     <a:lstStyle/>
                     <a:p>
+                      <a:pPr algn="ctr"/>
                       <a:endParaRPr lang="en-IN"/>
                     </a:p>
                   </a:txBody>
@@ -49594,6 +49151,7 @@
                     <a:bodyPr/>
                     <a:lstStyle/>
                     <a:p>
+                      <a:pPr algn="ctr"/>
                       <a:endParaRPr lang="en-IN"/>
                     </a:p>
                   </a:txBody>
@@ -49604,6 +49162,7 @@
                     <a:bodyPr/>
                     <a:lstStyle/>
                     <a:p>
+                      <a:pPr algn="ctr"/>
                       <a:endParaRPr lang="en-IN"/>
                     </a:p>
                   </a:txBody>
@@ -49614,6 +49173,7 @@
                     <a:bodyPr/>
                     <a:lstStyle/>
                     <a:p>
+                      <a:pPr algn="ctr"/>
                       <a:endParaRPr lang="en-IN"/>
                     </a:p>
                   </a:txBody>
@@ -49624,6 +49184,7 @@
                     <a:bodyPr/>
                     <a:lstStyle/>
                     <a:p>
+                      <a:pPr algn="ctr"/>
                       <a:endParaRPr lang="en-IN"/>
                     </a:p>
                   </a:txBody>
@@ -49634,6 +49195,7 @@
                     <a:bodyPr/>
                     <a:lstStyle/>
                     <a:p>
+                      <a:pPr algn="ctr"/>
                       <a:endParaRPr lang="en-IN"/>
                     </a:p>
                   </a:txBody>
@@ -49644,6 +49206,7 @@
                     <a:bodyPr/>
                     <a:lstStyle/>
                     <a:p>
+                      <a:pPr algn="ctr"/>
                       <a:endParaRPr lang="en-IN"/>
                     </a:p>
                   </a:txBody>
@@ -49654,6 +49217,7 @@
                     <a:bodyPr/>
                     <a:lstStyle/>
                     <a:p>
+                      <a:pPr algn="ctr"/>
                       <a:endParaRPr lang="en-IN"/>
                     </a:p>
                   </a:txBody>
@@ -49671,6 +49235,7 @@
                     <a:bodyPr/>
                     <a:lstStyle/>
                     <a:p>
+                      <a:pPr algn="ctr"/>
                       <a:endParaRPr lang="en-IN"/>
                     </a:p>
                   </a:txBody>
@@ -49681,6 +49246,7 @@
                     <a:bodyPr/>
                     <a:lstStyle/>
                     <a:p>
+                      <a:pPr algn="ctr"/>
                       <a:endParaRPr lang="en-IN"/>
                     </a:p>
                   </a:txBody>
@@ -49691,6 +49257,7 @@
                     <a:bodyPr/>
                     <a:lstStyle/>
                     <a:p>
+                      <a:pPr algn="ctr"/>
                       <a:endParaRPr lang="en-IN"/>
                     </a:p>
                   </a:txBody>
@@ -49701,6 +49268,7 @@
                     <a:bodyPr/>
                     <a:lstStyle/>
                     <a:p>
+                      <a:pPr algn="ctr"/>
                       <a:endParaRPr lang="en-IN"/>
                     </a:p>
                   </a:txBody>
@@ -49711,6 +49279,7 @@
                     <a:bodyPr/>
                     <a:lstStyle/>
                     <a:p>
+                      <a:pPr algn="ctr"/>
                       <a:endParaRPr lang="en-IN"/>
                     </a:p>
                   </a:txBody>
@@ -49721,6 +49290,7 @@
                     <a:bodyPr/>
                     <a:lstStyle/>
                     <a:p>
+                      <a:pPr algn="ctr"/>
                       <a:endParaRPr lang="en-IN"/>
                     </a:p>
                   </a:txBody>
@@ -49731,6 +49301,7 @@
                     <a:bodyPr/>
                     <a:lstStyle/>
                     <a:p>
+                      <a:pPr algn="ctr"/>
                       <a:endParaRPr lang="en-IN" dirty="0"/>
                     </a:p>
                   </a:txBody>
@@ -53149,15 +52720,6 @@
 </file>
 
 <file path=customXml/item1.xml><?xml version="1.0" encoding="utf-8"?>
-<?mso-contentType ?>
-<FormTemplates xmlns="http://schemas.microsoft.com/sharepoint/v3/contenttype/forms">
-  <Display>DocumentLibraryForm</Display>
-  <Edit>DocumentLibraryForm</Edit>
-  <New>DocumentLibraryForm</New>
-</FormTemplates>
-</file>
-
-<file path=customXml/item2.xml><?xml version="1.0" encoding="utf-8"?>
 <p:properties xmlns:p="http://schemas.microsoft.com/office/2006/metadata/properties" xmlns:xsi="http://www.w3.org/2001/XMLSchema-instance" xmlns:pc="http://schemas.microsoft.com/office/infopath/2007/PartnerControls">
   <documentManagement>
     <_ip_UnifiedCompliancePolicyUIAction xmlns="http://schemas.microsoft.com/sharepoint/v3" xsi:nil="true"/>
@@ -53177,7 +52739,7 @@
 </p:properties>
 </file>
 
-<file path=customXml/item3.xml><?xml version="1.0" encoding="utf-8"?>
+<file path=customXml/item2.xml><?xml version="1.0" encoding="utf-8"?>
 <ct:contentTypeSchema xmlns:ct="http://schemas.microsoft.com/office/2006/metadata/contentType" xmlns:ma="http://schemas.microsoft.com/office/2006/metadata/properties/metaAttributes" ct:_="" ma:_="" ma:contentTypeName="Document" ma:contentTypeID="0x01010079F111ED35F8CC479449609E8A0923A6" ma:contentTypeVersion="24" ma:contentTypeDescription="Create a new document." ma:contentTypeScope="" ma:versionID="2d714a3296df14eba7a100bb665443ca">
   <xsd:schema xmlns:xsd="http://www.w3.org/2001/XMLSchema" xmlns:xs="http://www.w3.org/2001/XMLSchema" xmlns:p="http://schemas.microsoft.com/office/2006/metadata/properties" xmlns:ns1="http://schemas.microsoft.com/sharepoint/v3" xmlns:ns2="71af3243-3dd4-4a8d-8c0d-dd76da1f02a5" xmlns:ns3="16c05727-aa75-4e4a-9b5f-8a80a1165891" xmlns:ns4="230e9df3-be65-4c73-a93b-d1236ebd677e" targetNamespace="http://schemas.microsoft.com/office/2006/metadata/properties" ma:root="true" ma:fieldsID="49549bf45bfbbfb6cffed527380e77e1" ns1:_="" ns2:_="" ns3:_="" ns4:_="">
     <xsd:import namespace="http://schemas.microsoft.com/sharepoint/v3"/>
@@ -53465,15 +53027,16 @@
 </ct:contentTypeSchema>
 </file>
 
-<file path=customXml/itemProps1.xml><?xml version="1.0" encoding="utf-8"?>
-<ds:datastoreItem xmlns:ds="http://schemas.openxmlformats.org/officeDocument/2006/customXml" ds:itemID="{6F156100-9533-4411-B0C0-FA18F914F7B6}">
-  <ds:schemaRefs>
-    <ds:schemaRef ds:uri="http://schemas.microsoft.com/sharepoint/v3/contenttype/forms"/>
-  </ds:schemaRefs>
-</ds:datastoreItem>
+<file path=customXml/item3.xml><?xml version="1.0" encoding="utf-8"?>
+<?mso-contentType ?>
+<FormTemplates xmlns="http://schemas.microsoft.com/sharepoint/v3/contenttype/forms">
+  <Display>DocumentLibraryForm</Display>
+  <Edit>DocumentLibraryForm</Edit>
+  <New>DocumentLibraryForm</New>
+</FormTemplates>
 </file>
 
-<file path=customXml/itemProps2.xml><?xml version="1.0" encoding="utf-8"?>
+<file path=customXml/itemProps1.xml><?xml version="1.0" encoding="utf-8"?>
 <ds:datastoreItem xmlns:ds="http://schemas.openxmlformats.org/officeDocument/2006/customXml" ds:itemID="{B2C81503-9DEF-42F3-A99B-D5E0223E195B}">
   <ds:schemaRefs>
     <ds:schemaRef ds:uri="http://schemas.microsoft.com/office/2006/metadata/properties"/>
@@ -53485,7 +53048,7 @@
 </ds:datastoreItem>
 </file>
 
-<file path=customXml/itemProps3.xml><?xml version="1.0" encoding="utf-8"?>
+<file path=customXml/itemProps2.xml><?xml version="1.0" encoding="utf-8"?>
 <ds:datastoreItem xmlns:ds="http://schemas.openxmlformats.org/officeDocument/2006/customXml" ds:itemID="{76A4D1D3-B327-4D60-927D-26045FF4AF3C}">
   <ds:schemaRefs>
     <ds:schemaRef ds:uri="http://schemas.microsoft.com/office/2006/metadata/contentType"/>
@@ -53506,6 +53069,14 @@
 </ds:datastoreItem>
 </file>
 
+<file path=customXml/itemProps3.xml><?xml version="1.0" encoding="utf-8"?>
+<ds:datastoreItem xmlns:ds="http://schemas.openxmlformats.org/officeDocument/2006/customXml" ds:itemID="{6F156100-9533-4411-B0C0-FA18F914F7B6}">
+  <ds:schemaRefs>
+    <ds:schemaRef ds:uri="http://schemas.microsoft.com/sharepoint/v3/contenttype/forms"/>
+  </ds:schemaRefs>
+</ds:datastoreItem>
+</file>
+
 <file path=docMetadata/LabelInfo.xml><?xml version="1.0" encoding="utf-8"?>
 <clbl:labelList xmlns:clbl="http://schemas.microsoft.com/office/2020/mipLabelMetadata"/>
 </file>
--- a/Doc/HealthCare.pptx
+++ b/Doc/HealthCare.pptx
@@ -43,12 +43,12 @@
     <p:sldId id="311" r:id="rId34"/>
     <p:sldId id="325" r:id="rId35"/>
     <p:sldId id="318" r:id="rId36"/>
-    <p:sldId id="319" r:id="rId37"/>
-    <p:sldId id="320" r:id="rId38"/>
-    <p:sldId id="321" r:id="rId39"/>
-    <p:sldId id="322" r:id="rId40"/>
-    <p:sldId id="323" r:id="rId41"/>
-    <p:sldId id="326" r:id="rId42"/>
+    <p:sldId id="320" r:id="rId37"/>
+    <p:sldId id="321" r:id="rId38"/>
+    <p:sldId id="322" r:id="rId39"/>
+    <p:sldId id="323" r:id="rId40"/>
+    <p:sldId id="326" r:id="rId41"/>
+    <p:sldId id="319" r:id="rId42"/>
     <p:sldId id="327" r:id="rId43"/>
     <p:sldId id="328" r:id="rId44"/>
     <p:sldId id="309" r:id="rId45"/>
@@ -6293,7 +6293,7 @@
           <a:p>
             <a:fld id="{8CD26A2A-0A96-0647-84E5-C82F2EFD9474}" type="datetimeFigureOut">
               <a:rPr lang="en-US" smtClean="0"/>
-              <a:t>9/14/2023</a:t>
+              <a:t>9/17/2023</a:t>
             </a:fld>
             <a:endParaRPr lang="en-US" dirty="0"/>
           </a:p>
@@ -6470,7 +6470,7 @@
           <a:p>
             <a:fld id="{A2B40C3B-E28A-4854-8EDA-E7F8F6F6FFEF}" type="datetimeFigureOut">
               <a:rPr lang="zh-CN" altLang="en-US" smtClean="0"/>
-              <a:t>2023/9/14</a:t>
+              <a:t>2023/9/17</a:t>
             </a:fld>
             <a:endParaRPr lang="zh-CN" altLang="en-US"/>
           </a:p>
@@ -31525,14 +31525,14 @@
             <p:ph type="tbl" sz="quarter" idx="27"/>
             <p:extLst>
               <p:ext uri="{D42A27DB-BD31-4B8C-83A1-F6EECF244321}">
-                <p14:modId xmlns:p14="http://schemas.microsoft.com/office/powerpoint/2010/main" val="1942211739"/>
+                <p14:modId xmlns:p14="http://schemas.microsoft.com/office/powerpoint/2010/main" val="643371106"/>
               </p:ext>
             </p:extLst>
           </p:nvPr>
         </p:nvGraphicFramePr>
         <p:xfrm>
           <a:off x="484632" y="721538"/>
-          <a:ext cx="10889795" cy="5852160"/>
+          <a:ext cx="10889795" cy="5577840"/>
         </p:xfrm>
         <a:graphic>
           <a:graphicData uri="http://schemas.openxmlformats.org/drawingml/2006/table">
@@ -31993,6 +31993,79 @@
                     <a:p>
                       <a:r>
                         <a:rPr lang="en-IN" dirty="0"/>
+                        <a:t>Phone</a:t>
+                      </a:r>
+                    </a:p>
+                  </a:txBody>
+                  <a:tcPr/>
+                </a:tc>
+                <a:tc>
+                  <a:txBody>
+                    <a:bodyPr/>
+                    <a:lstStyle/>
+                    <a:p>
+                      <a:r>
+                        <a:rPr lang="en-IN" dirty="0"/>
+                        <a:t>Varchar2(10)</a:t>
+                      </a:r>
+                    </a:p>
+                  </a:txBody>
+                  <a:tcPr/>
+                </a:tc>
+                <a:tc>
+                  <a:txBody>
+                    <a:bodyPr/>
+                    <a:lstStyle/>
+                    <a:p>
+                      <a:r>
+                        <a:rPr lang="en-IN" dirty="0"/>
+                        <a:t>Unique </a:t>
+                      </a:r>
+                    </a:p>
+                  </a:txBody>
+                  <a:tcPr/>
+                </a:tc>
+                <a:tc>
+                  <a:txBody>
+                    <a:bodyPr/>
+                    <a:lstStyle/>
+                    <a:p>
+                      <a:r>
+                        <a:rPr lang="en-IN" dirty="0"/>
+                        <a:t>Phone no of user</a:t>
+                      </a:r>
+                    </a:p>
+                  </a:txBody>
+                  <a:tcPr/>
+                </a:tc>
+                <a:tc>
+                  <a:txBody>
+                    <a:bodyPr/>
+                    <a:lstStyle/>
+                    <a:p>
+                      <a:r>
+                        <a:rPr lang="en-IN"/>
+                        <a:t>5241789630</a:t>
+                      </a:r>
+                      <a:endParaRPr lang="en-IN" dirty="0"/>
+                    </a:p>
+                  </a:txBody>
+                  <a:tcPr/>
+                </a:tc>
+                <a:extLst>
+                  <a:ext uri="{0D108BD9-81ED-4DB2-BD59-A6C34878D82A}">
+                    <a16:rowId xmlns:a16="http://schemas.microsoft.com/office/drawing/2014/main" val="2154045627"/>
+                  </a:ext>
+                </a:extLst>
+              </a:tr>
+              <a:tr h="352401">
+                <a:tc>
+                  <a:txBody>
+                    <a:bodyPr/>
+                    <a:lstStyle/>
+                    <a:p>
+                      <a:r>
+                        <a:rPr lang="en-IN" dirty="0"/>
                         <a:t>Password</a:t>
                       </a:r>
                     </a:p>
@@ -32427,95 +32500,6 @@
                 <a:extLst>
                   <a:ext uri="{0D108BD9-81ED-4DB2-BD59-A6C34878D82A}">
                     <a16:rowId xmlns:a16="http://schemas.microsoft.com/office/drawing/2014/main" val="2053610595"/>
-                  </a:ext>
-                </a:extLst>
-              </a:tr>
-              <a:tr h="608253">
-                <a:tc>
-                  <a:txBody>
-                    <a:bodyPr/>
-                    <a:lstStyle/>
-                    <a:p>
-                      <a:r>
-                        <a:rPr lang="en-US" dirty="0" err="1"/>
-                        <a:t>Apartment_no_nm</a:t>
-                      </a:r>
-                      <a:r>
-                        <a:rPr lang="en-US" dirty="0"/>
-                        <a:t>  </a:t>
-                      </a:r>
-                      <a:endParaRPr lang="en-IN" dirty="0"/>
-                    </a:p>
-                  </a:txBody>
-                  <a:tcPr/>
-                </a:tc>
-                <a:tc>
-                  <a:txBody>
-                    <a:bodyPr/>
-                    <a:lstStyle/>
-                    <a:p>
-                      <a:r>
-                        <a:rPr lang="en-US" dirty="0"/>
-                        <a:t>Varchar2(25)</a:t>
-                      </a:r>
-                      <a:endParaRPr lang="en-IN" dirty="0"/>
-                    </a:p>
-                  </a:txBody>
-                  <a:tcPr/>
-                </a:tc>
-                <a:tc>
-                  <a:txBody>
-                    <a:bodyPr/>
-                    <a:lstStyle/>
-                    <a:p>
-                      <a:r>
-                        <a:rPr lang="en-US" dirty="0"/>
-                        <a:t>Not null</a:t>
-                      </a:r>
-                      <a:endParaRPr lang="en-IN" dirty="0"/>
-                    </a:p>
-                  </a:txBody>
-                  <a:tcPr/>
-                </a:tc>
-                <a:tc>
-                  <a:txBody>
-                    <a:bodyPr/>
-                    <a:lstStyle/>
-                    <a:p>
-                      <a:r>
-                        <a:rPr lang="en-US" dirty="0"/>
-                        <a:t>Apartment no &amp; name</a:t>
-                      </a:r>
-                      <a:endParaRPr lang="en-IN" dirty="0"/>
-                    </a:p>
-                  </a:txBody>
-                  <a:tcPr/>
-                </a:tc>
-                <a:tc>
-                  <a:txBody>
-                    <a:bodyPr/>
-                    <a:lstStyle/>
-                    <a:p>
-                      <a:r>
-                        <a:rPr lang="en-US" dirty="0"/>
-                        <a:t>B2 , </a:t>
-                      </a:r>
-                      <a:r>
-                        <a:rPr lang="en-US" dirty="0" err="1"/>
-                        <a:t>harekrishna</a:t>
-                      </a:r>
-                      <a:r>
-                        <a:rPr lang="en-US" dirty="0"/>
-                        <a:t> park </a:t>
-                      </a:r>
-                      <a:endParaRPr lang="en-IN" dirty="0"/>
-                    </a:p>
-                  </a:txBody>
-                  <a:tcPr/>
-                </a:tc>
-                <a:extLst>
-                  <a:ext uri="{0D108BD9-81ED-4DB2-BD59-A6C34878D82A}">
-                    <a16:rowId xmlns:a16="http://schemas.microsoft.com/office/drawing/2014/main" val="1383164496"/>
                   </a:ext>
                 </a:extLst>
               </a:tr>
@@ -44239,447 +44223,6 @@
           <p:cNvPr id="2" name="Title 1">
             <a:extLst>
               <a:ext uri="{FF2B5EF4-FFF2-40B4-BE49-F238E27FC236}">
-                <a16:creationId xmlns:a16="http://schemas.microsoft.com/office/drawing/2014/main" id="{C769F6FA-64BA-EA1A-B311-1B337CBA9DEB}"/>
-              </a:ext>
-            </a:extLst>
-          </p:cNvPr>
-          <p:cNvSpPr>
-            <a:spLocks noGrp="1"/>
-          </p:cNvSpPr>
-          <p:nvPr>
-            <p:ph type="title"/>
-          </p:nvPr>
-        </p:nvSpPr>
-        <p:spPr/>
-        <p:txBody>
-          <a:bodyPr/>
-          <a:lstStyle/>
-          <a:p>
-            <a:r>
-              <a:rPr lang="en-IN" dirty="0"/>
-              <a:t>Project charter</a:t>
-            </a:r>
-          </a:p>
-        </p:txBody>
-      </p:sp>
-      <p:graphicFrame>
-        <p:nvGraphicFramePr>
-          <p:cNvPr id="6" name="Table 6">
-            <a:extLst>
-              <a:ext uri="{FF2B5EF4-FFF2-40B4-BE49-F238E27FC236}">
-                <a16:creationId xmlns:a16="http://schemas.microsoft.com/office/drawing/2014/main" id="{C4F15F5A-D322-840B-D205-F67B78371D80}"/>
-              </a:ext>
-            </a:extLst>
-          </p:cNvPr>
-          <p:cNvGraphicFramePr>
-            <a:graphicFrameLocks noGrp="1"/>
-          </p:cNvGraphicFramePr>
-          <p:nvPr>
-            <p:ph type="tbl" sz="quarter" idx="27"/>
-            <p:extLst>
-              <p:ext uri="{D42A27DB-BD31-4B8C-83A1-F6EECF244321}">
-                <p14:modId xmlns:p14="http://schemas.microsoft.com/office/powerpoint/2010/main" val="2573012516"/>
-              </p:ext>
-            </p:extLst>
-          </p:nvPr>
-        </p:nvGraphicFramePr>
-        <p:xfrm>
-          <a:off x="581025" y="1614488"/>
-          <a:ext cx="10890250" cy="4500880"/>
-        </p:xfrm>
-        <a:graphic>
-          <a:graphicData uri="http://schemas.openxmlformats.org/drawingml/2006/table">
-            <a:tbl>
-              <a:tblPr firstCol="1" bandRow="1">
-                <a:tableStyleId>{93296810-A885-4BE3-A3E7-6D5BEEA58F35}</a:tableStyleId>
-              </a:tblPr>
-              <a:tblGrid>
-                <a:gridCol w="3141889">
-                  <a:extLst>
-                    <a:ext uri="{9D8B030D-6E8A-4147-A177-3AD203B41FA5}">
-                      <a16:colId xmlns:a16="http://schemas.microsoft.com/office/drawing/2014/main" val="2219513117"/>
-                    </a:ext>
-                  </a:extLst>
-                </a:gridCol>
-                <a:gridCol w="7748361">
-                  <a:extLst>
-                    <a:ext uri="{9D8B030D-6E8A-4147-A177-3AD203B41FA5}">
-                      <a16:colId xmlns:a16="http://schemas.microsoft.com/office/drawing/2014/main" val="2693040372"/>
-                    </a:ext>
-                  </a:extLst>
-                </a:gridCol>
-              </a:tblGrid>
-              <a:tr h="370840">
-                <a:tc>
-                  <a:txBody>
-                    <a:bodyPr/>
-                    <a:lstStyle/>
-                    <a:p>
-                      <a:r>
-                        <a:rPr lang="en-IN" b="0" dirty="0"/>
-                        <a:t>Project name </a:t>
-                      </a:r>
-                    </a:p>
-                  </a:txBody>
-                  <a:tcPr/>
-                </a:tc>
-                <a:tc>
-                  <a:txBody>
-                    <a:bodyPr/>
-                    <a:lstStyle/>
-                    <a:p>
-                      <a:r>
-                        <a:rPr lang="en-IN" dirty="0"/>
-                        <a:t>Healthcare webApplication </a:t>
-                      </a:r>
-                    </a:p>
-                  </a:txBody>
-                  <a:tcPr/>
-                </a:tc>
-                <a:extLst>
-                  <a:ext uri="{0D108BD9-81ED-4DB2-BD59-A6C34878D82A}">
-                    <a16:rowId xmlns:a16="http://schemas.microsoft.com/office/drawing/2014/main" val="4003964476"/>
-                  </a:ext>
-                </a:extLst>
-              </a:tr>
-              <a:tr h="370840">
-                <a:tc>
-                  <a:txBody>
-                    <a:bodyPr/>
-                    <a:lstStyle/>
-                    <a:p>
-                      <a:r>
-                        <a:rPr lang="en-IN" dirty="0"/>
-                        <a:t>Project Leader </a:t>
-                      </a:r>
-                    </a:p>
-                  </a:txBody>
-                  <a:tcPr/>
-                </a:tc>
-                <a:tc>
-                  <a:txBody>
-                    <a:bodyPr/>
-                    <a:lstStyle/>
-                    <a:p>
-                      <a:r>
-                        <a:rPr lang="en-IN" dirty="0"/>
-                        <a:t>Arnold Macwan</a:t>
-                      </a:r>
-                    </a:p>
-                  </a:txBody>
-                  <a:tcPr/>
-                </a:tc>
-                <a:extLst>
-                  <a:ext uri="{0D108BD9-81ED-4DB2-BD59-A6C34878D82A}">
-                    <a16:rowId xmlns:a16="http://schemas.microsoft.com/office/drawing/2014/main" val="1872936240"/>
-                  </a:ext>
-                </a:extLst>
-              </a:tr>
-              <a:tr h="370840">
-                <a:tc>
-                  <a:txBody>
-                    <a:bodyPr/>
-                    <a:lstStyle/>
-                    <a:p>
-                      <a:r>
-                        <a:rPr lang="en-IN" dirty="0"/>
-                        <a:t>Project expected start date </a:t>
-                      </a:r>
-                    </a:p>
-                  </a:txBody>
-                  <a:tcPr/>
-                </a:tc>
-                <a:tc>
-                  <a:txBody>
-                    <a:bodyPr/>
-                    <a:lstStyle/>
-                    <a:p>
-                      <a:r>
-                        <a:rPr lang="en-IN" dirty="0"/>
-                        <a:t>14-08-2023</a:t>
-                      </a:r>
-                    </a:p>
-                  </a:txBody>
-                  <a:tcPr/>
-                </a:tc>
-                <a:extLst>
-                  <a:ext uri="{0D108BD9-81ED-4DB2-BD59-A6C34878D82A}">
-                    <a16:rowId xmlns:a16="http://schemas.microsoft.com/office/drawing/2014/main" val="3142998239"/>
-                  </a:ext>
-                </a:extLst>
-              </a:tr>
-              <a:tr h="370840">
-                <a:tc>
-                  <a:txBody>
-                    <a:bodyPr/>
-                    <a:lstStyle/>
-                    <a:p>
-                      <a:r>
-                        <a:rPr lang="en-IN" dirty="0"/>
-                        <a:t>Project expected end date </a:t>
-                      </a:r>
-                    </a:p>
-                  </a:txBody>
-                  <a:tcPr/>
-                </a:tc>
-                <a:tc>
-                  <a:txBody>
-                    <a:bodyPr/>
-                    <a:lstStyle/>
-                    <a:p>
-                      <a:r>
-                        <a:rPr lang="en-IN" dirty="0"/>
-                        <a:t>30-11-2023</a:t>
-                      </a:r>
-                    </a:p>
-                  </a:txBody>
-                  <a:tcPr/>
-                </a:tc>
-                <a:extLst>
-                  <a:ext uri="{0D108BD9-81ED-4DB2-BD59-A6C34878D82A}">
-                    <a16:rowId xmlns:a16="http://schemas.microsoft.com/office/drawing/2014/main" val="1098911632"/>
-                  </a:ext>
-                </a:extLst>
-              </a:tr>
-              <a:tr h="370840">
-                <a:tc>
-                  <a:txBody>
-                    <a:bodyPr/>
-                    <a:lstStyle/>
-                    <a:p>
-                      <a:r>
-                        <a:rPr lang="en-IN" dirty="0"/>
-                        <a:t>Project Scope</a:t>
-                      </a:r>
-                    </a:p>
-                  </a:txBody>
-                  <a:tcPr/>
-                </a:tc>
-                <a:tc>
-                  <a:txBody>
-                    <a:bodyPr/>
-                    <a:lstStyle/>
-                    <a:p>
-                      <a:pPr marL="285750" indent="-285750">
-                        <a:buFont typeface="Arial" panose="020B0604020202020204" pitchFamily="34" charset="0"/>
-                        <a:buChar char="•"/>
-                      </a:pPr>
-                      <a:r>
-                        <a:rPr lang="en-IN" dirty="0"/>
-                        <a:t>Integration of Booking health service</a:t>
-                      </a:r>
-                    </a:p>
-                    <a:p>
-                      <a:pPr marL="285750" indent="-285750">
-                        <a:buFont typeface="Arial" panose="020B0604020202020204" pitchFamily="34" charset="0"/>
-                        <a:buChar char="•"/>
-                      </a:pPr>
-                      <a:r>
-                        <a:rPr lang="en-IN" dirty="0"/>
-                        <a:t>Custom Admin UI deployment </a:t>
-                      </a:r>
-                    </a:p>
-                    <a:p>
-                      <a:pPr marL="285750" indent="-285750">
-                        <a:buFont typeface="Arial" panose="020B0604020202020204" pitchFamily="34" charset="0"/>
-                        <a:buChar char="•"/>
-                      </a:pPr>
-                      <a:r>
-                        <a:rPr lang="en-IN" dirty="0"/>
-                        <a:t>Report and documentation download</a:t>
-                      </a:r>
-                    </a:p>
-                    <a:p>
-                      <a:pPr marL="285750" indent="-285750">
-                        <a:buFont typeface="Arial" panose="020B0604020202020204" pitchFamily="34" charset="0"/>
-                        <a:buChar char="•"/>
-                      </a:pPr>
-                      <a:r>
-                        <a:rPr lang="en-IN" dirty="0"/>
-                        <a:t>Safe &amp; secure storing patient information and medical history </a:t>
-                      </a:r>
-                    </a:p>
-                  </a:txBody>
-                  <a:tcPr/>
-                </a:tc>
-                <a:extLst>
-                  <a:ext uri="{0D108BD9-81ED-4DB2-BD59-A6C34878D82A}">
-                    <a16:rowId xmlns:a16="http://schemas.microsoft.com/office/drawing/2014/main" val="3252337497"/>
-                  </a:ext>
-                </a:extLst>
-              </a:tr>
-              <a:tr h="370840">
-                <a:tc>
-                  <a:txBody>
-                    <a:bodyPr/>
-                    <a:lstStyle/>
-                    <a:p>
-                      <a:r>
-                        <a:rPr lang="en-IN" dirty="0"/>
-                        <a:t>Project mission </a:t>
-                      </a:r>
-                    </a:p>
-                  </a:txBody>
-                  <a:tcPr/>
-                </a:tc>
-                <a:tc>
-                  <a:txBody>
-                    <a:bodyPr/>
-                    <a:lstStyle/>
-                    <a:p>
-                      <a:pPr marL="0" indent="0">
-                        <a:buFont typeface="Arial" panose="020B0604020202020204" pitchFamily="34" charset="0"/>
-                        <a:buNone/>
-                      </a:pPr>
-                      <a:r>
-                        <a:rPr lang="en-IN" dirty="0"/>
-                        <a:t>Our mission is to provide such a platform so that every customer using the system will get the enhanced online service for their health accordingly their customization.</a:t>
-                      </a:r>
-                    </a:p>
-                  </a:txBody>
-                  <a:tcPr/>
-                </a:tc>
-                <a:extLst>
-                  <a:ext uri="{0D108BD9-81ED-4DB2-BD59-A6C34878D82A}">
-                    <a16:rowId xmlns:a16="http://schemas.microsoft.com/office/drawing/2014/main" val="3469141094"/>
-                  </a:ext>
-                </a:extLst>
-              </a:tr>
-              <a:tr h="370840">
-                <a:tc>
-                  <a:txBody>
-                    <a:bodyPr/>
-                    <a:lstStyle/>
-                    <a:p>
-                      <a:r>
-                        <a:rPr lang="en-IN" dirty="0"/>
-                        <a:t>Project vision </a:t>
-                      </a:r>
-                    </a:p>
-                  </a:txBody>
-                  <a:tcPr/>
-                </a:tc>
-                <a:tc>
-                  <a:txBody>
-                    <a:bodyPr/>
-                    <a:lstStyle/>
-                    <a:p>
-                      <a:pPr marL="0" indent="0">
-                        <a:buFont typeface="Arial" panose="020B0604020202020204" pitchFamily="34" charset="0"/>
-                        <a:buNone/>
-                      </a:pPr>
-                      <a:r>
-                        <a:rPr lang="en-IN" dirty="0"/>
-                        <a:t>Our vision is to reach every person who is not able to take even primary healthcare services and provide them services at doorstep by using their phones.</a:t>
-                      </a:r>
-                    </a:p>
-                  </a:txBody>
-                  <a:tcPr/>
-                </a:tc>
-                <a:extLst>
-                  <a:ext uri="{0D108BD9-81ED-4DB2-BD59-A6C34878D82A}">
-                    <a16:rowId xmlns:a16="http://schemas.microsoft.com/office/drawing/2014/main" val="1368576775"/>
-                  </a:ext>
-                </a:extLst>
-              </a:tr>
-            </a:tbl>
-          </a:graphicData>
-        </a:graphic>
-      </p:graphicFrame>
-      <p:sp>
-        <p:nvSpPr>
-          <p:cNvPr id="4" name="Footer Placeholder 3">
-            <a:extLst>
-              <a:ext uri="{FF2B5EF4-FFF2-40B4-BE49-F238E27FC236}">
-                <a16:creationId xmlns:a16="http://schemas.microsoft.com/office/drawing/2014/main" id="{C19DABF7-88EA-B653-8D00-0CF4B0BFDE40}"/>
-              </a:ext>
-            </a:extLst>
-          </p:cNvPr>
-          <p:cNvSpPr>
-            <a:spLocks noGrp="1"/>
-          </p:cNvSpPr>
-          <p:nvPr>
-            <p:ph type="ftr" sz="quarter" idx="28"/>
-          </p:nvPr>
-        </p:nvSpPr>
-        <p:spPr/>
-        <p:txBody>
-          <a:bodyPr/>
-          <a:lstStyle/>
-          <a:p>
-            <a:r>
-              <a:rPr lang="en-US"/>
-              <a:t>healthcare</a:t>
-            </a:r>
-            <a:endParaRPr lang="en-US" dirty="0"/>
-          </a:p>
-        </p:txBody>
-      </p:sp>
-      <p:sp>
-        <p:nvSpPr>
-          <p:cNvPr id="5" name="Slide Number Placeholder 4">
-            <a:extLst>
-              <a:ext uri="{FF2B5EF4-FFF2-40B4-BE49-F238E27FC236}">
-                <a16:creationId xmlns:a16="http://schemas.microsoft.com/office/drawing/2014/main" id="{DC1CA52F-7C14-9F58-54BD-2EC2DEADF7DE}"/>
-              </a:ext>
-            </a:extLst>
-          </p:cNvPr>
-          <p:cNvSpPr>
-            <a:spLocks noGrp="1"/>
-          </p:cNvSpPr>
-          <p:nvPr>
-            <p:ph type="sldNum" sz="quarter" idx="29"/>
-          </p:nvPr>
-        </p:nvSpPr>
-        <p:spPr/>
-        <p:txBody>
-          <a:bodyPr/>
-          <a:lstStyle/>
-          <a:p>
-            <a:fld id="{47FEACEE-25B4-4A2D-B147-27296E36371D}" type="slidenum">
-              <a:rPr lang="en-US" altLang="zh-CN" smtClean="0"/>
-              <a:pPr/>
-              <a:t>33</a:t>
-            </a:fld>
-            <a:endParaRPr lang="en-US" altLang="zh-CN" dirty="0"/>
-          </a:p>
-        </p:txBody>
-      </p:sp>
-    </p:spTree>
-    <p:extLst>
-      <p:ext uri="{BB962C8B-B14F-4D97-AF65-F5344CB8AC3E}">
-        <p14:creationId xmlns:p14="http://schemas.microsoft.com/office/powerpoint/2010/main" val="3298245255"/>
-      </p:ext>
-    </p:extLst>
-  </p:cSld>
-  <p:clrMapOvr>
-    <a:masterClrMapping/>
-  </p:clrMapOvr>
-</p:sld>
-</file>
-
-<file path=ppt/slides/slide34.xml><?xml version="1.0" encoding="utf-8"?>
-<p:sld xmlns:a="http://schemas.openxmlformats.org/drawingml/2006/main" xmlns:r="http://schemas.openxmlformats.org/officeDocument/2006/relationships" xmlns:p="http://schemas.openxmlformats.org/presentationml/2006/main">
-  <p:cSld>
-    <p:spTree>
-      <p:nvGrpSpPr>
-        <p:cNvPr id="1" name=""/>
-        <p:cNvGrpSpPr/>
-        <p:nvPr/>
-      </p:nvGrpSpPr>
-      <p:grpSpPr>
-        <a:xfrm>
-          <a:off x="0" y="0"/>
-          <a:ext cx="0" cy="0"/>
-          <a:chOff x="0" y="0"/>
-          <a:chExt cx="0" cy="0"/>
-        </a:xfrm>
-      </p:grpSpPr>
-      <p:sp>
-        <p:nvSpPr>
-          <p:cNvPr id="2" name="Title 1">
-            <a:extLst>
-              <a:ext uri="{FF2B5EF4-FFF2-40B4-BE49-F238E27FC236}">
                 <a16:creationId xmlns:a16="http://schemas.microsoft.com/office/drawing/2014/main" id="{63B8B250-69F8-5956-FFA3-7029D8583052}"/>
               </a:ext>
             </a:extLst>
@@ -44768,7 +44311,7 @@
             <a:fld id="{47FEACEE-25B4-4A2D-B147-27296E36371D}" type="slidenum">
               <a:rPr lang="en-US" altLang="zh-CN" smtClean="0"/>
               <a:pPr/>
-              <a:t>34</a:t>
+              <a:t>33</a:t>
             </a:fld>
             <a:endParaRPr lang="en-US" altLang="zh-CN" dirty="0"/>
           </a:p>
@@ -44787,7 +44330,7 @@
 </p:sld>
 </file>
 
-<file path=ppt/slides/slide35.xml><?xml version="1.0" encoding="utf-8"?>
+<file path=ppt/slides/slide34.xml><?xml version="1.0" encoding="utf-8"?>
 <p:sld xmlns:a="http://schemas.openxmlformats.org/drawingml/2006/main" xmlns:r="http://schemas.openxmlformats.org/officeDocument/2006/relationships" xmlns:p="http://schemas.openxmlformats.org/presentationml/2006/main">
   <p:cSld>
     <p:spTree>
@@ -44857,7 +44400,7 @@
             <a:fld id="{47FEACEE-25B4-4A2D-B147-27296E36371D}" type="slidenum">
               <a:rPr lang="en-US" altLang="zh-CN" smtClean="0"/>
               <a:pPr/>
-              <a:t>35</a:t>
+              <a:t>34</a:t>
             </a:fld>
             <a:endParaRPr lang="en-US" altLang="zh-CN" dirty="0"/>
           </a:p>
@@ -45696,7 +45239,7 @@
 </p:sld>
 </file>
 
-<file path=ppt/slides/slide36.xml><?xml version="1.0" encoding="utf-8"?>
+<file path=ppt/slides/slide35.xml><?xml version="1.0" encoding="utf-8"?>
 <p:sld xmlns:a="http://schemas.openxmlformats.org/drawingml/2006/main" xmlns:r="http://schemas.openxmlformats.org/officeDocument/2006/relationships" xmlns:p="http://schemas.openxmlformats.org/presentationml/2006/main">
   <p:cSld>
     <p:spTree>
@@ -46335,7 +45878,7 @@
             <a:fld id="{47FEACEE-25B4-4A2D-B147-27296E36371D}" type="slidenum">
               <a:rPr lang="en-US" altLang="zh-CN" smtClean="0"/>
               <a:pPr/>
-              <a:t>36</a:t>
+              <a:t>35</a:t>
             </a:fld>
             <a:endParaRPr lang="en-US" altLang="zh-CN" dirty="0"/>
           </a:p>
@@ -46354,7 +45897,7 @@
 </p:sld>
 </file>
 
-<file path=ppt/slides/slide37.xml><?xml version="1.0" encoding="utf-8"?>
+<file path=ppt/slides/slide36.xml><?xml version="1.0" encoding="utf-8"?>
 <p:sld xmlns:a="http://schemas.openxmlformats.org/drawingml/2006/main" xmlns:r="http://schemas.openxmlformats.org/officeDocument/2006/relationships" xmlns:p="http://schemas.openxmlformats.org/presentationml/2006/main">
   <p:cSld>
     <p:spTree>
@@ -47119,7 +46662,7 @@
             <a:fld id="{47FEACEE-25B4-4A2D-B147-27296E36371D}" type="slidenum">
               <a:rPr lang="en-US" altLang="zh-CN" smtClean="0"/>
               <a:pPr/>
-              <a:t>37</a:t>
+              <a:t>36</a:t>
             </a:fld>
             <a:endParaRPr lang="en-US" altLang="zh-CN" dirty="0"/>
           </a:p>
@@ -47138,7 +46681,7 @@
 </p:sld>
 </file>
 
-<file path=ppt/slides/slide38.xml><?xml version="1.0" encoding="utf-8"?>
+<file path=ppt/slides/slide37.xml><?xml version="1.0" encoding="utf-8"?>
 <p:sld xmlns:a="http://schemas.openxmlformats.org/drawingml/2006/main" xmlns:r="http://schemas.openxmlformats.org/officeDocument/2006/relationships" xmlns:p="http://schemas.openxmlformats.org/presentationml/2006/main">
   <p:cSld>
     <p:spTree>
@@ -47978,6 +47521,447 @@
             <a:fld id="{47FEACEE-25B4-4A2D-B147-27296E36371D}" type="slidenum">
               <a:rPr lang="en-US" altLang="zh-CN" smtClean="0"/>
               <a:pPr algn="just"/>
+              <a:t>37</a:t>
+            </a:fld>
+            <a:endParaRPr lang="en-US" altLang="zh-CN" dirty="0"/>
+          </a:p>
+        </p:txBody>
+      </p:sp>
+    </p:spTree>
+    <p:extLst>
+      <p:ext uri="{BB962C8B-B14F-4D97-AF65-F5344CB8AC3E}">
+        <p14:creationId xmlns:p14="http://schemas.microsoft.com/office/powerpoint/2010/main" val="1337151851"/>
+      </p:ext>
+    </p:extLst>
+  </p:cSld>
+  <p:clrMapOvr>
+    <a:masterClrMapping/>
+  </p:clrMapOvr>
+</p:sld>
+</file>
+
+<file path=ppt/slides/slide38.xml><?xml version="1.0" encoding="utf-8"?>
+<p:sld xmlns:a="http://schemas.openxmlformats.org/drawingml/2006/main" xmlns:r="http://schemas.openxmlformats.org/officeDocument/2006/relationships" xmlns:p="http://schemas.openxmlformats.org/presentationml/2006/main">
+  <p:cSld>
+    <p:spTree>
+      <p:nvGrpSpPr>
+        <p:cNvPr id="1" name=""/>
+        <p:cNvGrpSpPr/>
+        <p:nvPr/>
+      </p:nvGrpSpPr>
+      <p:grpSpPr>
+        <a:xfrm>
+          <a:off x="0" y="0"/>
+          <a:ext cx="0" cy="0"/>
+          <a:chOff x="0" y="0"/>
+          <a:chExt cx="0" cy="0"/>
+        </a:xfrm>
+      </p:grpSpPr>
+      <p:sp>
+        <p:nvSpPr>
+          <p:cNvPr id="2" name="Title 1">
+            <a:extLst>
+              <a:ext uri="{FF2B5EF4-FFF2-40B4-BE49-F238E27FC236}">
+                <a16:creationId xmlns:a16="http://schemas.microsoft.com/office/drawing/2014/main" id="{C769F6FA-64BA-EA1A-B311-1B337CBA9DEB}"/>
+              </a:ext>
+            </a:extLst>
+          </p:cNvPr>
+          <p:cNvSpPr>
+            <a:spLocks noGrp="1"/>
+          </p:cNvSpPr>
+          <p:nvPr>
+            <p:ph type="title"/>
+          </p:nvPr>
+        </p:nvSpPr>
+        <p:spPr/>
+        <p:txBody>
+          <a:bodyPr/>
+          <a:lstStyle/>
+          <a:p>
+            <a:r>
+              <a:rPr lang="en-IN" dirty="0"/>
+              <a:t>Project charter</a:t>
+            </a:r>
+          </a:p>
+        </p:txBody>
+      </p:sp>
+      <p:graphicFrame>
+        <p:nvGraphicFramePr>
+          <p:cNvPr id="6" name="Table 6">
+            <a:extLst>
+              <a:ext uri="{FF2B5EF4-FFF2-40B4-BE49-F238E27FC236}">
+                <a16:creationId xmlns:a16="http://schemas.microsoft.com/office/drawing/2014/main" id="{C4F15F5A-D322-840B-D205-F67B78371D80}"/>
+              </a:ext>
+            </a:extLst>
+          </p:cNvPr>
+          <p:cNvGraphicFramePr>
+            <a:graphicFrameLocks noGrp="1"/>
+          </p:cNvGraphicFramePr>
+          <p:nvPr>
+            <p:ph type="tbl" sz="quarter" idx="27"/>
+            <p:extLst>
+              <p:ext uri="{D42A27DB-BD31-4B8C-83A1-F6EECF244321}">
+                <p14:modId xmlns:p14="http://schemas.microsoft.com/office/powerpoint/2010/main" val="2573012516"/>
+              </p:ext>
+            </p:extLst>
+          </p:nvPr>
+        </p:nvGraphicFramePr>
+        <p:xfrm>
+          <a:off x="581025" y="1614488"/>
+          <a:ext cx="10890250" cy="4500880"/>
+        </p:xfrm>
+        <a:graphic>
+          <a:graphicData uri="http://schemas.openxmlformats.org/drawingml/2006/table">
+            <a:tbl>
+              <a:tblPr firstCol="1" bandRow="1">
+                <a:tableStyleId>{93296810-A885-4BE3-A3E7-6D5BEEA58F35}</a:tableStyleId>
+              </a:tblPr>
+              <a:tblGrid>
+                <a:gridCol w="3141889">
+                  <a:extLst>
+                    <a:ext uri="{9D8B030D-6E8A-4147-A177-3AD203B41FA5}">
+                      <a16:colId xmlns:a16="http://schemas.microsoft.com/office/drawing/2014/main" val="2219513117"/>
+                    </a:ext>
+                  </a:extLst>
+                </a:gridCol>
+                <a:gridCol w="7748361">
+                  <a:extLst>
+                    <a:ext uri="{9D8B030D-6E8A-4147-A177-3AD203B41FA5}">
+                      <a16:colId xmlns:a16="http://schemas.microsoft.com/office/drawing/2014/main" val="2693040372"/>
+                    </a:ext>
+                  </a:extLst>
+                </a:gridCol>
+              </a:tblGrid>
+              <a:tr h="370840">
+                <a:tc>
+                  <a:txBody>
+                    <a:bodyPr/>
+                    <a:lstStyle/>
+                    <a:p>
+                      <a:r>
+                        <a:rPr lang="en-IN" b="0" dirty="0"/>
+                        <a:t>Project name </a:t>
+                      </a:r>
+                    </a:p>
+                  </a:txBody>
+                  <a:tcPr/>
+                </a:tc>
+                <a:tc>
+                  <a:txBody>
+                    <a:bodyPr/>
+                    <a:lstStyle/>
+                    <a:p>
+                      <a:r>
+                        <a:rPr lang="en-IN" dirty="0"/>
+                        <a:t>Healthcare webApplication </a:t>
+                      </a:r>
+                    </a:p>
+                  </a:txBody>
+                  <a:tcPr/>
+                </a:tc>
+                <a:extLst>
+                  <a:ext uri="{0D108BD9-81ED-4DB2-BD59-A6C34878D82A}">
+                    <a16:rowId xmlns:a16="http://schemas.microsoft.com/office/drawing/2014/main" val="4003964476"/>
+                  </a:ext>
+                </a:extLst>
+              </a:tr>
+              <a:tr h="370840">
+                <a:tc>
+                  <a:txBody>
+                    <a:bodyPr/>
+                    <a:lstStyle/>
+                    <a:p>
+                      <a:r>
+                        <a:rPr lang="en-IN" dirty="0"/>
+                        <a:t>Project Leader </a:t>
+                      </a:r>
+                    </a:p>
+                  </a:txBody>
+                  <a:tcPr/>
+                </a:tc>
+                <a:tc>
+                  <a:txBody>
+                    <a:bodyPr/>
+                    <a:lstStyle/>
+                    <a:p>
+                      <a:r>
+                        <a:rPr lang="en-IN" dirty="0"/>
+                        <a:t>Arnold Macwan</a:t>
+                      </a:r>
+                    </a:p>
+                  </a:txBody>
+                  <a:tcPr/>
+                </a:tc>
+                <a:extLst>
+                  <a:ext uri="{0D108BD9-81ED-4DB2-BD59-A6C34878D82A}">
+                    <a16:rowId xmlns:a16="http://schemas.microsoft.com/office/drawing/2014/main" val="1872936240"/>
+                  </a:ext>
+                </a:extLst>
+              </a:tr>
+              <a:tr h="370840">
+                <a:tc>
+                  <a:txBody>
+                    <a:bodyPr/>
+                    <a:lstStyle/>
+                    <a:p>
+                      <a:r>
+                        <a:rPr lang="en-IN" dirty="0"/>
+                        <a:t>Project expected start date </a:t>
+                      </a:r>
+                    </a:p>
+                  </a:txBody>
+                  <a:tcPr/>
+                </a:tc>
+                <a:tc>
+                  <a:txBody>
+                    <a:bodyPr/>
+                    <a:lstStyle/>
+                    <a:p>
+                      <a:r>
+                        <a:rPr lang="en-IN" dirty="0"/>
+                        <a:t>14-08-2023</a:t>
+                      </a:r>
+                    </a:p>
+                  </a:txBody>
+                  <a:tcPr/>
+                </a:tc>
+                <a:extLst>
+                  <a:ext uri="{0D108BD9-81ED-4DB2-BD59-A6C34878D82A}">
+                    <a16:rowId xmlns:a16="http://schemas.microsoft.com/office/drawing/2014/main" val="3142998239"/>
+                  </a:ext>
+                </a:extLst>
+              </a:tr>
+              <a:tr h="370840">
+                <a:tc>
+                  <a:txBody>
+                    <a:bodyPr/>
+                    <a:lstStyle/>
+                    <a:p>
+                      <a:r>
+                        <a:rPr lang="en-IN" dirty="0"/>
+                        <a:t>Project expected end date </a:t>
+                      </a:r>
+                    </a:p>
+                  </a:txBody>
+                  <a:tcPr/>
+                </a:tc>
+                <a:tc>
+                  <a:txBody>
+                    <a:bodyPr/>
+                    <a:lstStyle/>
+                    <a:p>
+                      <a:r>
+                        <a:rPr lang="en-IN" dirty="0"/>
+                        <a:t>30-11-2023</a:t>
+                      </a:r>
+                    </a:p>
+                  </a:txBody>
+                  <a:tcPr/>
+                </a:tc>
+                <a:extLst>
+                  <a:ext uri="{0D108BD9-81ED-4DB2-BD59-A6C34878D82A}">
+                    <a16:rowId xmlns:a16="http://schemas.microsoft.com/office/drawing/2014/main" val="1098911632"/>
+                  </a:ext>
+                </a:extLst>
+              </a:tr>
+              <a:tr h="370840">
+                <a:tc>
+                  <a:txBody>
+                    <a:bodyPr/>
+                    <a:lstStyle/>
+                    <a:p>
+                      <a:r>
+                        <a:rPr lang="en-IN" dirty="0"/>
+                        <a:t>Project Scope</a:t>
+                      </a:r>
+                    </a:p>
+                  </a:txBody>
+                  <a:tcPr/>
+                </a:tc>
+                <a:tc>
+                  <a:txBody>
+                    <a:bodyPr/>
+                    <a:lstStyle/>
+                    <a:p>
+                      <a:pPr marL="285750" indent="-285750">
+                        <a:buFont typeface="Arial" panose="020B0604020202020204" pitchFamily="34" charset="0"/>
+                        <a:buChar char="•"/>
+                      </a:pPr>
+                      <a:r>
+                        <a:rPr lang="en-IN" dirty="0"/>
+                        <a:t>Integration of Booking health service</a:t>
+                      </a:r>
+                    </a:p>
+                    <a:p>
+                      <a:pPr marL="285750" indent="-285750">
+                        <a:buFont typeface="Arial" panose="020B0604020202020204" pitchFamily="34" charset="0"/>
+                        <a:buChar char="•"/>
+                      </a:pPr>
+                      <a:r>
+                        <a:rPr lang="en-IN" dirty="0"/>
+                        <a:t>Custom Admin UI deployment </a:t>
+                      </a:r>
+                    </a:p>
+                    <a:p>
+                      <a:pPr marL="285750" indent="-285750">
+                        <a:buFont typeface="Arial" panose="020B0604020202020204" pitchFamily="34" charset="0"/>
+                        <a:buChar char="•"/>
+                      </a:pPr>
+                      <a:r>
+                        <a:rPr lang="en-IN" dirty="0"/>
+                        <a:t>Report and documentation download</a:t>
+                      </a:r>
+                    </a:p>
+                    <a:p>
+                      <a:pPr marL="285750" indent="-285750">
+                        <a:buFont typeface="Arial" panose="020B0604020202020204" pitchFamily="34" charset="0"/>
+                        <a:buChar char="•"/>
+                      </a:pPr>
+                      <a:r>
+                        <a:rPr lang="en-IN" dirty="0"/>
+                        <a:t>Safe &amp; secure storing patient information and medical history </a:t>
+                      </a:r>
+                    </a:p>
+                  </a:txBody>
+                  <a:tcPr/>
+                </a:tc>
+                <a:extLst>
+                  <a:ext uri="{0D108BD9-81ED-4DB2-BD59-A6C34878D82A}">
+                    <a16:rowId xmlns:a16="http://schemas.microsoft.com/office/drawing/2014/main" val="3252337497"/>
+                  </a:ext>
+                </a:extLst>
+              </a:tr>
+              <a:tr h="370840">
+                <a:tc>
+                  <a:txBody>
+                    <a:bodyPr/>
+                    <a:lstStyle/>
+                    <a:p>
+                      <a:r>
+                        <a:rPr lang="en-IN" dirty="0"/>
+                        <a:t>Project mission </a:t>
+                      </a:r>
+                    </a:p>
+                  </a:txBody>
+                  <a:tcPr/>
+                </a:tc>
+                <a:tc>
+                  <a:txBody>
+                    <a:bodyPr/>
+                    <a:lstStyle/>
+                    <a:p>
+                      <a:pPr marL="0" indent="0">
+                        <a:buFont typeface="Arial" panose="020B0604020202020204" pitchFamily="34" charset="0"/>
+                        <a:buNone/>
+                      </a:pPr>
+                      <a:r>
+                        <a:rPr lang="en-IN" dirty="0"/>
+                        <a:t>Our mission is to provide such a platform so that every customer using the system will get the enhanced online service for their health accordingly their customization.</a:t>
+                      </a:r>
+                    </a:p>
+                  </a:txBody>
+                  <a:tcPr/>
+                </a:tc>
+                <a:extLst>
+                  <a:ext uri="{0D108BD9-81ED-4DB2-BD59-A6C34878D82A}">
+                    <a16:rowId xmlns:a16="http://schemas.microsoft.com/office/drawing/2014/main" val="3469141094"/>
+                  </a:ext>
+                </a:extLst>
+              </a:tr>
+              <a:tr h="370840">
+                <a:tc>
+                  <a:txBody>
+                    <a:bodyPr/>
+                    <a:lstStyle/>
+                    <a:p>
+                      <a:r>
+                        <a:rPr lang="en-IN" dirty="0"/>
+                        <a:t>Project vision </a:t>
+                      </a:r>
+                    </a:p>
+                  </a:txBody>
+                  <a:tcPr/>
+                </a:tc>
+                <a:tc>
+                  <a:txBody>
+                    <a:bodyPr/>
+                    <a:lstStyle/>
+                    <a:p>
+                      <a:pPr marL="0" indent="0">
+                        <a:buFont typeface="Arial" panose="020B0604020202020204" pitchFamily="34" charset="0"/>
+                        <a:buNone/>
+                      </a:pPr>
+                      <a:r>
+                        <a:rPr lang="en-IN" dirty="0"/>
+                        <a:t>Our vision is to reach every person who is not able to take even primary healthcare services and provide them services at doorstep by using their phones.</a:t>
+                      </a:r>
+                    </a:p>
+                  </a:txBody>
+                  <a:tcPr/>
+                </a:tc>
+                <a:extLst>
+                  <a:ext uri="{0D108BD9-81ED-4DB2-BD59-A6C34878D82A}">
+                    <a16:rowId xmlns:a16="http://schemas.microsoft.com/office/drawing/2014/main" val="1368576775"/>
+                  </a:ext>
+                </a:extLst>
+              </a:tr>
+            </a:tbl>
+          </a:graphicData>
+        </a:graphic>
+      </p:graphicFrame>
+      <p:sp>
+        <p:nvSpPr>
+          <p:cNvPr id="4" name="Footer Placeholder 3">
+            <a:extLst>
+              <a:ext uri="{FF2B5EF4-FFF2-40B4-BE49-F238E27FC236}">
+                <a16:creationId xmlns:a16="http://schemas.microsoft.com/office/drawing/2014/main" id="{C19DABF7-88EA-B653-8D00-0CF4B0BFDE40}"/>
+              </a:ext>
+            </a:extLst>
+          </p:cNvPr>
+          <p:cNvSpPr>
+            <a:spLocks noGrp="1"/>
+          </p:cNvSpPr>
+          <p:nvPr>
+            <p:ph type="ftr" sz="quarter" idx="28"/>
+          </p:nvPr>
+        </p:nvSpPr>
+        <p:spPr/>
+        <p:txBody>
+          <a:bodyPr/>
+          <a:lstStyle/>
+          <a:p>
+            <a:r>
+              <a:rPr lang="en-US"/>
+              <a:t>healthcare</a:t>
+            </a:r>
+            <a:endParaRPr lang="en-US" dirty="0"/>
+          </a:p>
+        </p:txBody>
+      </p:sp>
+      <p:sp>
+        <p:nvSpPr>
+          <p:cNvPr id="5" name="Slide Number Placeholder 4">
+            <a:extLst>
+              <a:ext uri="{FF2B5EF4-FFF2-40B4-BE49-F238E27FC236}">
+                <a16:creationId xmlns:a16="http://schemas.microsoft.com/office/drawing/2014/main" id="{DC1CA52F-7C14-9F58-54BD-2EC2DEADF7DE}"/>
+              </a:ext>
+            </a:extLst>
+          </p:cNvPr>
+          <p:cNvSpPr>
+            <a:spLocks noGrp="1"/>
+          </p:cNvSpPr>
+          <p:nvPr>
+            <p:ph type="sldNum" sz="quarter" idx="29"/>
+          </p:nvPr>
+        </p:nvSpPr>
+        <p:spPr/>
+        <p:txBody>
+          <a:bodyPr/>
+          <a:lstStyle/>
+          <a:p>
+            <a:fld id="{47FEACEE-25B4-4A2D-B147-27296E36371D}" type="slidenum">
+              <a:rPr lang="en-US" altLang="zh-CN" smtClean="0"/>
+              <a:pPr/>
               <a:t>38</a:t>
             </a:fld>
             <a:endParaRPr lang="en-US" altLang="zh-CN" dirty="0"/>
@@ -47987,7 +47971,7 @@
     </p:spTree>
     <p:extLst>
       <p:ext uri="{BB962C8B-B14F-4D97-AF65-F5344CB8AC3E}">
-        <p14:creationId xmlns:p14="http://schemas.microsoft.com/office/powerpoint/2010/main" val="1337151851"/>
+        <p14:creationId xmlns:p14="http://schemas.microsoft.com/office/powerpoint/2010/main" val="3298245255"/>
       </p:ext>
     </p:extLst>
   </p:cSld>
